--- a/NSS Capstone powerpoint.pptx
+++ b/NSS Capstone powerpoint.pptx
@@ -6,25 +6,27 @@
   </p:sldMasterIdLst>
   <p:sldIdLst>
     <p:sldId id="256" r:id="rId2"/>
-    <p:sldId id="259" r:id="rId3"/>
-    <p:sldId id="274" r:id="rId4"/>
-    <p:sldId id="257" r:id="rId5"/>
-    <p:sldId id="261" r:id="rId6"/>
-    <p:sldId id="262" r:id="rId7"/>
-    <p:sldId id="263" r:id="rId8"/>
-    <p:sldId id="276" r:id="rId9"/>
-    <p:sldId id="264" r:id="rId10"/>
-    <p:sldId id="265" r:id="rId11"/>
-    <p:sldId id="275" r:id="rId12"/>
-    <p:sldId id="266" r:id="rId13"/>
-    <p:sldId id="258" r:id="rId14"/>
-    <p:sldId id="260" r:id="rId15"/>
-    <p:sldId id="267" r:id="rId16"/>
-    <p:sldId id="277" r:id="rId17"/>
-    <p:sldId id="268" r:id="rId18"/>
-    <p:sldId id="270" r:id="rId19"/>
-    <p:sldId id="272" r:id="rId20"/>
-    <p:sldId id="273" r:id="rId21"/>
+    <p:sldId id="278" r:id="rId3"/>
+    <p:sldId id="259" r:id="rId4"/>
+    <p:sldId id="274" r:id="rId5"/>
+    <p:sldId id="257" r:id="rId6"/>
+    <p:sldId id="261" r:id="rId7"/>
+    <p:sldId id="262" r:id="rId8"/>
+    <p:sldId id="263" r:id="rId9"/>
+    <p:sldId id="276" r:id="rId10"/>
+    <p:sldId id="264" r:id="rId11"/>
+    <p:sldId id="265" r:id="rId12"/>
+    <p:sldId id="275" r:id="rId13"/>
+    <p:sldId id="266" r:id="rId14"/>
+    <p:sldId id="258" r:id="rId15"/>
+    <p:sldId id="260" r:id="rId16"/>
+    <p:sldId id="267" r:id="rId17"/>
+    <p:sldId id="277" r:id="rId18"/>
+    <p:sldId id="268" r:id="rId19"/>
+    <p:sldId id="270" r:id="rId20"/>
+    <p:sldId id="272" r:id="rId21"/>
+    <p:sldId id="279" r:id="rId22"/>
+    <p:sldId id="273" r:id="rId23"/>
   </p:sldIdLst>
   <p:sldSz cx="12192000" cy="6858000"/>
   <p:notesSz cx="7010400" cy="9296400"/>
@@ -278,7 +280,7 @@
           <a:p>
             <a:fld id="{C5E913FC-0EA9-46D0-8970-C94EBA7FA948}" type="datetimeFigureOut">
               <a:rPr lang="en-US" smtClean="0"/>
-              <a:t>12/22/2021</a:t>
+              <a:t>1/3/2022</a:t>
             </a:fld>
             <a:endParaRPr lang="en-US"/>
           </a:p>
@@ -476,7 +478,7 @@
           <a:p>
             <a:fld id="{C5E913FC-0EA9-46D0-8970-C94EBA7FA948}" type="datetimeFigureOut">
               <a:rPr lang="en-US" smtClean="0"/>
-              <a:t>12/22/2021</a:t>
+              <a:t>1/3/2022</a:t>
             </a:fld>
             <a:endParaRPr lang="en-US"/>
           </a:p>
@@ -684,7 +686,7 @@
           <a:p>
             <a:fld id="{C5E913FC-0EA9-46D0-8970-C94EBA7FA948}" type="datetimeFigureOut">
               <a:rPr lang="en-US" smtClean="0"/>
-              <a:t>12/22/2021</a:t>
+              <a:t>1/3/2022</a:t>
             </a:fld>
             <a:endParaRPr lang="en-US"/>
           </a:p>
@@ -882,7 +884,7 @@
           <a:p>
             <a:fld id="{C5E913FC-0EA9-46D0-8970-C94EBA7FA948}" type="datetimeFigureOut">
               <a:rPr lang="en-US" smtClean="0"/>
-              <a:t>12/22/2021</a:t>
+              <a:t>1/3/2022</a:t>
             </a:fld>
             <a:endParaRPr lang="en-US"/>
           </a:p>
@@ -1157,7 +1159,7 @@
           <a:p>
             <a:fld id="{C5E913FC-0EA9-46D0-8970-C94EBA7FA948}" type="datetimeFigureOut">
               <a:rPr lang="en-US" smtClean="0"/>
-              <a:t>12/22/2021</a:t>
+              <a:t>1/3/2022</a:t>
             </a:fld>
             <a:endParaRPr lang="en-US"/>
           </a:p>
@@ -1422,7 +1424,7 @@
           <a:p>
             <a:fld id="{C5E913FC-0EA9-46D0-8970-C94EBA7FA948}" type="datetimeFigureOut">
               <a:rPr lang="en-US" smtClean="0"/>
-              <a:t>12/22/2021</a:t>
+              <a:t>1/3/2022</a:t>
             </a:fld>
             <a:endParaRPr lang="en-US"/>
           </a:p>
@@ -1834,7 +1836,7 @@
           <a:p>
             <a:fld id="{C5E913FC-0EA9-46D0-8970-C94EBA7FA948}" type="datetimeFigureOut">
               <a:rPr lang="en-US" smtClean="0"/>
-              <a:t>12/22/2021</a:t>
+              <a:t>1/3/2022</a:t>
             </a:fld>
             <a:endParaRPr lang="en-US"/>
           </a:p>
@@ -1975,7 +1977,7 @@
           <a:p>
             <a:fld id="{C5E913FC-0EA9-46D0-8970-C94EBA7FA948}" type="datetimeFigureOut">
               <a:rPr lang="en-US" smtClean="0"/>
-              <a:t>12/22/2021</a:t>
+              <a:t>1/3/2022</a:t>
             </a:fld>
             <a:endParaRPr lang="en-US"/>
           </a:p>
@@ -2088,7 +2090,7 @@
           <a:p>
             <a:fld id="{C5E913FC-0EA9-46D0-8970-C94EBA7FA948}" type="datetimeFigureOut">
               <a:rPr lang="en-US" smtClean="0"/>
-              <a:t>12/22/2021</a:t>
+              <a:t>1/3/2022</a:t>
             </a:fld>
             <a:endParaRPr lang="en-US"/>
           </a:p>
@@ -2399,7 +2401,7 @@
           <a:p>
             <a:fld id="{C5E913FC-0EA9-46D0-8970-C94EBA7FA948}" type="datetimeFigureOut">
               <a:rPr lang="en-US" smtClean="0"/>
-              <a:t>12/22/2021</a:t>
+              <a:t>1/3/2022</a:t>
             </a:fld>
             <a:endParaRPr lang="en-US"/>
           </a:p>
@@ -2687,7 +2689,7 @@
           <a:p>
             <a:fld id="{C5E913FC-0EA9-46D0-8970-C94EBA7FA948}" type="datetimeFigureOut">
               <a:rPr lang="en-US" smtClean="0"/>
-              <a:t>12/22/2021</a:t>
+              <a:t>1/3/2022</a:t>
             </a:fld>
             <a:endParaRPr lang="en-US"/>
           </a:p>
@@ -2928,7 +2930,7 @@
           <a:p>
             <a:fld id="{C5E913FC-0EA9-46D0-8970-C94EBA7FA948}" type="datetimeFigureOut">
               <a:rPr lang="en-US" smtClean="0"/>
-              <a:t>12/22/2021</a:t>
+              <a:t>1/3/2022</a:t>
             </a:fld>
             <a:endParaRPr lang="en-US"/>
           </a:p>
@@ -3516,45 +3518,13 @@
           <a:chExt cx="0" cy="0"/>
         </a:xfrm>
       </p:grpSpPr>
-      <p:sp>
-        <p:nvSpPr>
-          <p:cNvPr id="2" name="Title 1">
-            <a:extLst>
-              <a:ext uri="{FF2B5EF4-FFF2-40B4-BE49-F238E27FC236}">
-                <a16:creationId xmlns:a16="http://schemas.microsoft.com/office/drawing/2014/main" id="{AA52863D-17A3-4237-8F76-C3358ADD9683}"/>
-              </a:ext>
-            </a:extLst>
-          </p:cNvPr>
-          <p:cNvSpPr>
-            <a:spLocks noGrp="1"/>
-          </p:cNvSpPr>
-          <p:nvPr>
-            <p:ph type="title"/>
-          </p:nvPr>
-        </p:nvSpPr>
-        <p:spPr/>
-        <p:txBody>
-          <a:bodyPr/>
-          <a:lstStyle/>
-          <a:p>
-            <a:r>
-              <a:rPr lang="en-US" dirty="0" err="1"/>
-              <a:t>PowerBI</a:t>
-            </a:r>
-            <a:r>
-              <a:rPr lang="en-US" dirty="0"/>
-              <a:t> – Tennessee Dashboard</a:t>
-            </a:r>
-          </a:p>
-        </p:txBody>
-      </p:sp>
       <p:pic>
         <p:nvPicPr>
           <p:cNvPr id="4" name="Picture 2" descr="Nashville Software School Small Logo">
             <a:hlinkClick r:id="rId2"/>
             <a:extLst>
               <a:ext uri="{FF2B5EF4-FFF2-40B4-BE49-F238E27FC236}">
-                <a16:creationId xmlns:a16="http://schemas.microsoft.com/office/drawing/2014/main" id="{86269151-A695-49FD-B0F3-B227DF155DD7}"/>
+                <a16:creationId xmlns:a16="http://schemas.microsoft.com/office/drawing/2014/main" id="{9F50B85F-DA06-41F5-85A7-BAF98DD6ED6B}"/>
               </a:ext>
             </a:extLst>
           </p:cNvPr>
@@ -3596,12 +3566,45 @@
           </a:extLst>
         </p:spPr>
       </p:pic>
+      <p:sp>
+        <p:nvSpPr>
+          <p:cNvPr id="9" name="Title 1">
+            <a:extLst>
+              <a:ext uri="{FF2B5EF4-FFF2-40B4-BE49-F238E27FC236}">
+                <a16:creationId xmlns:a16="http://schemas.microsoft.com/office/drawing/2014/main" id="{DE8BCB54-F6F2-4186-9848-621AECC1A703}"/>
+              </a:ext>
+            </a:extLst>
+          </p:cNvPr>
+          <p:cNvSpPr>
+            <a:spLocks noGrp="1"/>
+          </p:cNvSpPr>
+          <p:nvPr>
+            <p:ph type="title"/>
+          </p:nvPr>
+        </p:nvSpPr>
+        <p:spPr>
+          <a:xfrm>
+            <a:off x="838200" y="365125"/>
+            <a:ext cx="10515600" cy="1325563"/>
+          </a:xfrm>
+        </p:spPr>
+        <p:txBody>
+          <a:bodyPr/>
+          <a:lstStyle/>
+          <a:p>
+            <a:r>
+              <a:rPr lang="en-US" dirty="0"/>
+              <a:t>Power BI – Arizona Dashboard</a:t>
+            </a:r>
+          </a:p>
+        </p:txBody>
+      </p:sp>
       <p:pic>
         <p:nvPicPr>
-          <p:cNvPr id="5" name="Picture 4">
-            <a:extLst>
-              <a:ext uri="{FF2B5EF4-FFF2-40B4-BE49-F238E27FC236}">
-                <a16:creationId xmlns:a16="http://schemas.microsoft.com/office/drawing/2014/main" id="{6E9EB783-154A-45CE-BCDC-D22573918780}"/>
+          <p:cNvPr id="7" name="Picture 6">
+            <a:extLst>
+              <a:ext uri="{FF2B5EF4-FFF2-40B4-BE49-F238E27FC236}">
+                <a16:creationId xmlns:a16="http://schemas.microsoft.com/office/drawing/2014/main" id="{12247AAD-FFAC-42DA-AAC0-93D4A5C280F9}"/>
               </a:ext>
             </a:extLst>
           </p:cNvPr>
@@ -3611,15 +3614,21 @@
           <p:nvPr/>
         </p:nvPicPr>
         <p:blipFill>
-          <a:blip r:embed="rId4"/>
+          <a:blip r:embed="rId4">
+            <a:extLst>
+              <a:ext uri="{28A0092B-C50C-407E-A947-70E740481C1C}">
+                <a14:useLocalDpi xmlns:a14="http://schemas.microsoft.com/office/drawing/2010/main" val="0"/>
+              </a:ext>
+            </a:extLst>
+          </a:blip>
           <a:stretch>
             <a:fillRect/>
           </a:stretch>
         </p:blipFill>
         <p:spPr>
           <a:xfrm>
-            <a:off x="941033" y="1343024"/>
-            <a:ext cx="10117492" cy="4905375"/>
+            <a:off x="923277" y="1260629"/>
+            <a:ext cx="10182687" cy="4873705"/>
           </a:xfrm>
           <a:prstGeom prst="rect">
             <a:avLst/>
@@ -3629,7 +3638,7 @@
     </p:spTree>
     <p:extLst>
       <p:ext uri="{BB962C8B-B14F-4D97-AF65-F5344CB8AC3E}">
-        <p14:creationId xmlns:p14="http://schemas.microsoft.com/office/powerpoint/2010/main" val="1052315722"/>
+        <p14:creationId xmlns:p14="http://schemas.microsoft.com/office/powerpoint/2010/main" val="168196976"/>
       </p:ext>
     </p:extLst>
   </p:cSld>
@@ -3664,13 +3673,41 @@
           <a:chExt cx="0" cy="0"/>
         </a:xfrm>
       </p:grpSpPr>
+      <p:sp>
+        <p:nvSpPr>
+          <p:cNvPr id="2" name="Title 1">
+            <a:extLst>
+              <a:ext uri="{FF2B5EF4-FFF2-40B4-BE49-F238E27FC236}">
+                <a16:creationId xmlns:a16="http://schemas.microsoft.com/office/drawing/2014/main" id="{AA52863D-17A3-4237-8F76-C3358ADD9683}"/>
+              </a:ext>
+            </a:extLst>
+          </p:cNvPr>
+          <p:cNvSpPr>
+            <a:spLocks noGrp="1"/>
+          </p:cNvSpPr>
+          <p:nvPr>
+            <p:ph type="title"/>
+          </p:nvPr>
+        </p:nvSpPr>
+        <p:spPr/>
+        <p:txBody>
+          <a:bodyPr/>
+          <a:lstStyle/>
+          <a:p>
+            <a:r>
+              <a:rPr lang="en-US" dirty="0"/>
+              <a:t>Power BI – Tennessee Dashboard</a:t>
+            </a:r>
+          </a:p>
+        </p:txBody>
+      </p:sp>
       <p:pic>
         <p:nvPicPr>
           <p:cNvPr id="4" name="Picture 2" descr="Nashville Software School Small Logo">
             <a:hlinkClick r:id="rId2"/>
             <a:extLst>
               <a:ext uri="{FF2B5EF4-FFF2-40B4-BE49-F238E27FC236}">
-                <a16:creationId xmlns:a16="http://schemas.microsoft.com/office/drawing/2014/main" id="{70EEE528-7ED7-432F-AD70-526B1E3AD952}"/>
+                <a16:creationId xmlns:a16="http://schemas.microsoft.com/office/drawing/2014/main" id="{86269151-A695-49FD-B0F3-B227DF155DD7}"/>
               </a:ext>
             </a:extLst>
           </p:cNvPr>
@@ -3712,6 +3749,128 @@
           </a:extLst>
         </p:spPr>
       </p:pic>
+      <p:pic>
+        <p:nvPicPr>
+          <p:cNvPr id="6" name="Picture 5">
+            <a:extLst>
+              <a:ext uri="{FF2B5EF4-FFF2-40B4-BE49-F238E27FC236}">
+                <a16:creationId xmlns:a16="http://schemas.microsoft.com/office/drawing/2014/main" id="{12CA4FF8-79D7-4FB8-BFDA-048849EC2A1E}"/>
+              </a:ext>
+            </a:extLst>
+          </p:cNvPr>
+          <p:cNvPicPr>
+            <a:picLocks noChangeAspect="1"/>
+          </p:cNvPicPr>
+          <p:nvPr/>
+        </p:nvPicPr>
+        <p:blipFill>
+          <a:blip r:embed="rId4">
+            <a:extLst>
+              <a:ext uri="{28A0092B-C50C-407E-A947-70E740481C1C}">
+                <a14:useLocalDpi xmlns:a14="http://schemas.microsoft.com/office/drawing/2010/main" val="0"/>
+              </a:ext>
+            </a:extLst>
+          </a:blip>
+          <a:stretch>
+            <a:fillRect/>
+          </a:stretch>
+        </p:blipFill>
+        <p:spPr>
+          <a:xfrm>
+            <a:off x="838200" y="1287262"/>
+            <a:ext cx="10250010" cy="4812779"/>
+          </a:xfrm>
+          <a:prstGeom prst="rect">
+            <a:avLst/>
+          </a:prstGeom>
+        </p:spPr>
+      </p:pic>
+    </p:spTree>
+    <p:extLst>
+      <p:ext uri="{BB962C8B-B14F-4D97-AF65-F5344CB8AC3E}">
+        <p14:creationId xmlns:p14="http://schemas.microsoft.com/office/powerpoint/2010/main" val="1052315722"/>
+      </p:ext>
+    </p:extLst>
+  </p:cSld>
+  <p:clrMapOvr>
+    <a:masterClrMapping/>
+  </p:clrMapOvr>
+</p:sld>
+</file>
+
+<file path=ppt/slides/slide12.xml><?xml version="1.0" encoding="utf-8"?>
+<p:sld xmlns:a="http://schemas.openxmlformats.org/drawingml/2006/main" xmlns:r="http://schemas.openxmlformats.org/officeDocument/2006/relationships" xmlns:p="http://schemas.openxmlformats.org/presentationml/2006/main">
+  <p:cSld>
+    <p:bg>
+      <p:bgPr>
+        <a:solidFill>
+          <a:srgbClr val="AFF4F7"/>
+        </a:solidFill>
+        <a:effectLst/>
+      </p:bgPr>
+    </p:bg>
+    <p:spTree>
+      <p:nvGrpSpPr>
+        <p:cNvPr id="1" name=""/>
+        <p:cNvGrpSpPr/>
+        <p:nvPr/>
+      </p:nvGrpSpPr>
+      <p:grpSpPr>
+        <a:xfrm>
+          <a:off x="0" y="0"/>
+          <a:ext cx="0" cy="0"/>
+          <a:chOff x="0" y="0"/>
+          <a:chExt cx="0" cy="0"/>
+        </a:xfrm>
+      </p:grpSpPr>
+      <p:pic>
+        <p:nvPicPr>
+          <p:cNvPr id="4" name="Picture 2" descr="Nashville Software School Small Logo">
+            <a:hlinkClick r:id="rId2"/>
+            <a:extLst>
+              <a:ext uri="{FF2B5EF4-FFF2-40B4-BE49-F238E27FC236}">
+                <a16:creationId xmlns:a16="http://schemas.microsoft.com/office/drawing/2014/main" id="{70EEE528-7ED7-432F-AD70-526B1E3AD952}"/>
+              </a:ext>
+            </a:extLst>
+          </p:cNvPr>
+          <p:cNvPicPr>
+            <a:picLocks noChangeAspect="1" noChangeArrowheads="1"/>
+          </p:cNvPicPr>
+          <p:nvPr/>
+        </p:nvPicPr>
+        <p:blipFill>
+          <a:blip r:embed="rId3">
+            <a:extLst>
+              <a:ext uri="{28A0092B-C50C-407E-A947-70E740481C1C}">
+                <a14:useLocalDpi xmlns:a14="http://schemas.microsoft.com/office/drawing/2010/main" val="0"/>
+              </a:ext>
+            </a:extLst>
+          </a:blip>
+          <a:srcRect/>
+          <a:stretch>
+            <a:fillRect/>
+          </a:stretch>
+        </p:blipFill>
+        <p:spPr bwMode="auto">
+          <a:xfrm>
+            <a:off x="200025" y="6492875"/>
+            <a:ext cx="2228856" cy="185738"/>
+          </a:xfrm>
+          <a:prstGeom prst="rect">
+            <a:avLst/>
+          </a:prstGeom>
+          <a:noFill/>
+          <a:extLst>
+            <a:ext uri="{909E8E84-426E-40DD-AFC4-6F175D3DCCD1}">
+              <a14:hiddenFill xmlns:a14="http://schemas.microsoft.com/office/drawing/2010/main">
+                <a:solidFill>
+                  <a:srgbClr val="FFFFFF"/>
+                </a:solidFill>
+              </a14:hiddenFill>
+            </a:ext>
+          </a:extLst>
+        </p:spPr>
+      </p:pic>
       <p:sp>
         <p:nvSpPr>
           <p:cNvPr id="7" name="Title 1">
@@ -3739,12 +3898,8 @@
           <a:lstStyle/>
           <a:p>
             <a:r>
-              <a:rPr lang="en-US" dirty="0" err="1"/>
-              <a:t>PowerBI</a:t>
-            </a:r>
-            <a:r>
               <a:rPr lang="en-US" dirty="0"/>
-              <a:t> – Impact of Natural Gas</a:t>
+              <a:t>Power BI – Impact of Natural Gas</a:t>
             </a:r>
           </a:p>
         </p:txBody>
@@ -4045,7 +4200,7 @@
 </p:sld>
 </file>
 
-<file path=ppt/slides/slide12.xml><?xml version="1.0" encoding="utf-8"?>
+<file path=ppt/slides/slide13.xml><?xml version="1.0" encoding="utf-8"?>
 <p:sld xmlns:a="http://schemas.openxmlformats.org/drawingml/2006/main" xmlns:r="http://schemas.openxmlformats.org/officeDocument/2006/relationships" xmlns:p="http://schemas.openxmlformats.org/presentationml/2006/main">
   <p:cSld>
     <p:bg>
@@ -4372,193 +4527,6 @@
 </p:sld>
 </file>
 
-<file path=ppt/slides/slide13.xml><?xml version="1.0" encoding="utf-8"?>
-<p:sld xmlns:a="http://schemas.openxmlformats.org/drawingml/2006/main" xmlns:r="http://schemas.openxmlformats.org/officeDocument/2006/relationships" xmlns:p="http://schemas.openxmlformats.org/presentationml/2006/main">
-  <p:cSld>
-    <p:bg>
-      <p:bgPr>
-        <a:solidFill>
-          <a:srgbClr val="AFF4F7"/>
-        </a:solidFill>
-        <a:effectLst/>
-      </p:bgPr>
-    </p:bg>
-    <p:spTree>
-      <p:nvGrpSpPr>
-        <p:cNvPr id="1" name=""/>
-        <p:cNvGrpSpPr/>
-        <p:nvPr/>
-      </p:nvGrpSpPr>
-      <p:grpSpPr>
-        <a:xfrm>
-          <a:off x="0" y="0"/>
-          <a:ext cx="0" cy="0"/>
-          <a:chOff x="0" y="0"/>
-          <a:chExt cx="0" cy="0"/>
-        </a:xfrm>
-      </p:grpSpPr>
-      <p:sp>
-        <p:nvSpPr>
-          <p:cNvPr id="2" name="Title 1">
-            <a:extLst>
-              <a:ext uri="{FF2B5EF4-FFF2-40B4-BE49-F238E27FC236}">
-                <a16:creationId xmlns:a16="http://schemas.microsoft.com/office/drawing/2014/main" id="{7EE4F496-5420-4134-B69F-952210A81AF8}"/>
-              </a:ext>
-            </a:extLst>
-          </p:cNvPr>
-          <p:cNvSpPr>
-            <a:spLocks noGrp="1"/>
-          </p:cNvSpPr>
-          <p:nvPr>
-            <p:ph type="title"/>
-          </p:nvPr>
-        </p:nvSpPr>
-        <p:spPr/>
-        <p:txBody>
-          <a:bodyPr/>
-          <a:lstStyle/>
-          <a:p>
-            <a:r>
-              <a:rPr lang="en-US" dirty="0"/>
-              <a:t>Current Events in the U.S. </a:t>
-            </a:r>
-          </a:p>
-        </p:txBody>
-      </p:sp>
-      <p:sp>
-        <p:nvSpPr>
-          <p:cNvPr id="3" name="Content Placeholder 2">
-            <a:extLst>
-              <a:ext uri="{FF2B5EF4-FFF2-40B4-BE49-F238E27FC236}">
-                <a16:creationId xmlns:a16="http://schemas.microsoft.com/office/drawing/2014/main" id="{E54D7C9C-3659-4682-9D9C-FA13DE3CE1E0}"/>
-              </a:ext>
-            </a:extLst>
-          </p:cNvPr>
-          <p:cNvSpPr>
-            <a:spLocks noGrp="1"/>
-          </p:cNvSpPr>
-          <p:nvPr>
-            <p:ph idx="1"/>
-          </p:nvPr>
-        </p:nvSpPr>
-        <p:spPr/>
-        <p:txBody>
-          <a:bodyPr/>
-          <a:lstStyle/>
-          <a:p>
-            <a:r>
-              <a:rPr lang="en-US" dirty="0"/>
-              <a:t>Executive Order signed December, 2021 – </a:t>
-            </a:r>
-          </a:p>
-          <a:p>
-            <a:pPr lvl="1"/>
-            <a:r>
-              <a:rPr lang="en-US" dirty="0"/>
-              <a:t>60% emissions reduction from Federal Operations by 2030, including a Carbon-Free power goal using electricity produced only from sources that do not emit carbon dioxide and locally supplied</a:t>
-            </a:r>
-          </a:p>
-          <a:p>
-            <a:pPr lvl="1"/>
-            <a:r>
-              <a:rPr lang="en-US" dirty="0"/>
-              <a:t>100% zero-emissions light-duty vehicle acquisitions by 2027</a:t>
-            </a:r>
-          </a:p>
-          <a:p>
-            <a:pPr lvl="1"/>
-            <a:r>
-              <a:rPr lang="en-US" dirty="0"/>
-              <a:t>Net-Zero emissions by 2050 (buy clean policy) to encourage using construction materials made with fewer carbon emissions and eliminating “forever chemicals” linked to cancer and found in drinking water supplies</a:t>
-            </a:r>
-          </a:p>
-          <a:p>
-            <a:pPr lvl="1"/>
-            <a:endParaRPr lang="en-US" dirty="0"/>
-          </a:p>
-          <a:p>
-            <a:pPr lvl="1"/>
-            <a:endParaRPr lang="en-US" dirty="0"/>
-          </a:p>
-          <a:p>
-            <a:pPr marL="457200" lvl="1" indent="0">
-              <a:buNone/>
-            </a:pPr>
-            <a:r>
-              <a:rPr lang="en-US" sz="1400" dirty="0"/>
-              <a:t>SOURCE: </a:t>
-            </a:r>
-            <a:r>
-              <a:rPr lang="en-US" sz="1100" dirty="0">
-                <a:hlinkClick r:id="rId2"/>
-              </a:rPr>
-              <a:t>ICYMI: President Biden Signs Executive Order Catalyzing America’s Clean Energy Economy Through Federal Sustainability | The White House</a:t>
-            </a:r>
-            <a:endParaRPr lang="en-US" sz="1400" dirty="0"/>
-          </a:p>
-        </p:txBody>
-      </p:sp>
-      <p:pic>
-        <p:nvPicPr>
-          <p:cNvPr id="4" name="Picture 2" descr="Nashville Software School Small Logo">
-            <a:hlinkClick r:id="rId3"/>
-            <a:extLst>
-              <a:ext uri="{FF2B5EF4-FFF2-40B4-BE49-F238E27FC236}">
-                <a16:creationId xmlns:a16="http://schemas.microsoft.com/office/drawing/2014/main" id="{1AE53DDD-BD7C-40F0-9142-25ABC4332400}"/>
-              </a:ext>
-            </a:extLst>
-          </p:cNvPr>
-          <p:cNvPicPr>
-            <a:picLocks noChangeAspect="1" noChangeArrowheads="1"/>
-          </p:cNvPicPr>
-          <p:nvPr/>
-        </p:nvPicPr>
-        <p:blipFill>
-          <a:blip r:embed="rId4">
-            <a:extLst>
-              <a:ext uri="{28A0092B-C50C-407E-A947-70E740481C1C}">
-                <a14:useLocalDpi xmlns:a14="http://schemas.microsoft.com/office/drawing/2010/main" val="0"/>
-              </a:ext>
-            </a:extLst>
-          </a:blip>
-          <a:srcRect/>
-          <a:stretch>
-            <a:fillRect/>
-          </a:stretch>
-        </p:blipFill>
-        <p:spPr bwMode="auto">
-          <a:xfrm>
-            <a:off x="200025" y="6492875"/>
-            <a:ext cx="2228856" cy="185738"/>
-          </a:xfrm>
-          <a:prstGeom prst="rect">
-            <a:avLst/>
-          </a:prstGeom>
-          <a:noFill/>
-          <a:extLst>
-            <a:ext uri="{909E8E84-426E-40DD-AFC4-6F175D3DCCD1}">
-              <a14:hiddenFill xmlns:a14="http://schemas.microsoft.com/office/drawing/2010/main">
-                <a:solidFill>
-                  <a:srgbClr val="FFFFFF"/>
-                </a:solidFill>
-              </a14:hiddenFill>
-            </a:ext>
-          </a:extLst>
-        </p:spPr>
-      </p:pic>
-    </p:spTree>
-    <p:extLst>
-      <p:ext uri="{BB962C8B-B14F-4D97-AF65-F5344CB8AC3E}">
-        <p14:creationId xmlns:p14="http://schemas.microsoft.com/office/powerpoint/2010/main" val="2102217943"/>
-      </p:ext>
-    </p:extLst>
-  </p:cSld>
-  <p:clrMapOvr>
-    <a:masterClrMapping/>
-  </p:clrMapOvr>
-</p:sld>
-</file>
-
 <file path=ppt/slides/slide14.xml><?xml version="1.0" encoding="utf-8"?>
 <p:sld xmlns:a="http://schemas.openxmlformats.org/drawingml/2006/main" xmlns:r="http://schemas.openxmlformats.org/officeDocument/2006/relationships" xmlns:p="http://schemas.openxmlformats.org/presentationml/2006/main">
   <p:cSld>
@@ -4589,7 +4557,7 @@
           <p:cNvPr id="2" name="Title 1">
             <a:extLst>
               <a:ext uri="{FF2B5EF4-FFF2-40B4-BE49-F238E27FC236}">
-                <a16:creationId xmlns:a16="http://schemas.microsoft.com/office/drawing/2014/main" id="{63110CFF-E95C-4B20-AF77-94FEC6732EA4}"/>
+                <a16:creationId xmlns:a16="http://schemas.microsoft.com/office/drawing/2014/main" id="{7EE4F496-5420-4134-B69F-952210A81AF8}"/>
               </a:ext>
             </a:extLst>
           </p:cNvPr>
@@ -4607,7 +4575,7 @@
           <a:p>
             <a:r>
               <a:rPr lang="en-US" dirty="0"/>
-              <a:t>Emerging Technology in Electricity Generation</a:t>
+              <a:t>Current Events in the U.S. </a:t>
             </a:r>
           </a:p>
         </p:txBody>
@@ -4617,7 +4585,7 @@
           <p:cNvPr id="3" name="Content Placeholder 2">
             <a:extLst>
               <a:ext uri="{FF2B5EF4-FFF2-40B4-BE49-F238E27FC236}">
-                <a16:creationId xmlns:a16="http://schemas.microsoft.com/office/drawing/2014/main" id="{07ACFE97-3D81-4781-BF1B-90EA28D12BC0}"/>
+                <a16:creationId xmlns:a16="http://schemas.microsoft.com/office/drawing/2014/main" id="{E54D7C9C-3659-4682-9D9C-FA13DE3CE1E0}"/>
               </a:ext>
             </a:extLst>
           </p:cNvPr>
@@ -4633,63 +4601,55 @@
           <a:bodyPr/>
           <a:lstStyle/>
           <a:p>
-            <a:pPr marL="0" indent="0">
+            <a:r>
+              <a:rPr lang="en-US" dirty="0"/>
+              <a:t>Executive Order signed December, 2021 – </a:t>
+            </a:r>
+          </a:p>
+          <a:p>
+            <a:pPr lvl="1"/>
+            <a:r>
+              <a:rPr lang="en-US" dirty="0"/>
+              <a:t>60% emissions reduction from Federal Operations by 2030, including a Carbon-Free power goal using electricity produced only from sources that do not emit carbon dioxide and locally supplied</a:t>
+            </a:r>
+          </a:p>
+          <a:p>
+            <a:pPr lvl="1"/>
+            <a:r>
+              <a:rPr lang="en-US" dirty="0"/>
+              <a:t>100% zero-emissions light-duty vehicle acquisitions by 2027</a:t>
+            </a:r>
+          </a:p>
+          <a:p>
+            <a:pPr lvl="1"/>
+            <a:r>
+              <a:rPr lang="en-US" dirty="0"/>
+              <a:t>Net-Zero emissions by 2050 (buy clean policy) to encourage using construction materials made with fewer carbon emissions and eliminating “forever chemicals” linked to cancer and found in drinking water supplies</a:t>
+            </a:r>
+          </a:p>
+          <a:p>
+            <a:pPr lvl="1"/>
+            <a:endParaRPr lang="en-US" dirty="0"/>
+          </a:p>
+          <a:p>
+            <a:pPr lvl="1"/>
+            <a:endParaRPr lang="en-US" dirty="0"/>
+          </a:p>
+          <a:p>
+            <a:pPr marL="457200" lvl="1" indent="0">
               <a:buNone/>
             </a:pPr>
             <a:r>
-              <a:rPr lang="en-US" dirty="0"/>
-              <a:t>According to Drax:</a:t>
-            </a:r>
-          </a:p>
-          <a:p>
-            <a:r>
-              <a:rPr lang="en-US" dirty="0"/>
-              <a:t>Microbial Fuel Cells – harnessing the power of bacteria</a:t>
-            </a:r>
-          </a:p>
-          <a:p>
-            <a:r>
-              <a:rPr lang="en-US" dirty="0"/>
-              <a:t>Solar Power – solar voltaic glass and solar PV paint</a:t>
-            </a:r>
-          </a:p>
-          <a:p>
-            <a:r>
-              <a:rPr lang="en-US" dirty="0" err="1"/>
-              <a:t>Betavoltaics</a:t>
-            </a:r>
-            <a:r>
-              <a:rPr lang="en-US" dirty="0"/>
-              <a:t> – utilizing nuclear waste to generate electricity</a:t>
-            </a:r>
-          </a:p>
-          <a:p>
-            <a:r>
-              <a:rPr lang="en-US" dirty="0"/>
-              <a:t>Tidal Power – underwater turbines for tidal power stations</a:t>
-            </a:r>
-          </a:p>
-          <a:p>
-            <a:endParaRPr lang="en-US" dirty="0"/>
-          </a:p>
-          <a:p>
-            <a:endParaRPr lang="en-US" dirty="0"/>
-          </a:p>
-          <a:p>
-            <a:pPr marL="0" indent="0">
-              <a:buNone/>
-            </a:pPr>
-            <a:r>
-              <a:rPr lang="en-US" sz="1800" dirty="0"/>
-              <a:t>Source:  </a:t>
-            </a:r>
-            <a:r>
-              <a:rPr lang="en-US" sz="1200" dirty="0">
+              <a:rPr lang="en-US" sz="1400" dirty="0"/>
+              <a:t>SOURCE: </a:t>
+            </a:r>
+            <a:r>
+              <a:rPr lang="en-US" sz="1100" dirty="0">
                 <a:hlinkClick r:id="rId2"/>
               </a:rPr>
-              <a:t>4 of the most exciting emerging technologies in electricity generation (drax.com)</a:t>
-            </a:r>
-            <a:endParaRPr lang="en-US" sz="1800" dirty="0"/>
+              <a:t>ICYMI: President Biden Signs Executive Order Catalyzing America’s Clean Energy Economy Through Federal Sustainability | The White House</a:t>
+            </a:r>
+            <a:endParaRPr lang="en-US" sz="1400" dirty="0"/>
           </a:p>
         </p:txBody>
       </p:sp>
@@ -4699,7 +4659,7 @@
             <a:hlinkClick r:id="rId3"/>
             <a:extLst>
               <a:ext uri="{FF2B5EF4-FFF2-40B4-BE49-F238E27FC236}">
-                <a16:creationId xmlns:a16="http://schemas.microsoft.com/office/drawing/2014/main" id="{D3CAC65C-FC23-489F-B312-59445B5F5482}"/>
+                <a16:creationId xmlns:a16="http://schemas.microsoft.com/office/drawing/2014/main" id="{1AE53DDD-BD7C-40F0-9142-25ABC4332400}"/>
               </a:ext>
             </a:extLst>
           </p:cNvPr>
@@ -4744,7 +4704,7 @@
     </p:spTree>
     <p:extLst>
       <p:ext uri="{BB962C8B-B14F-4D97-AF65-F5344CB8AC3E}">
-        <p14:creationId xmlns:p14="http://schemas.microsoft.com/office/powerpoint/2010/main" val="2717246292"/>
+        <p14:creationId xmlns:p14="http://schemas.microsoft.com/office/powerpoint/2010/main" val="2102217943"/>
       </p:ext>
     </p:extLst>
   </p:cSld>
@@ -4784,7 +4744,7 @@
           <p:cNvPr id="2" name="Title 1">
             <a:extLst>
               <a:ext uri="{FF2B5EF4-FFF2-40B4-BE49-F238E27FC236}">
-                <a16:creationId xmlns:a16="http://schemas.microsoft.com/office/drawing/2014/main" id="{0D7F4B58-7489-473F-AC95-209613F45CF6}"/>
+                <a16:creationId xmlns:a16="http://schemas.microsoft.com/office/drawing/2014/main" id="{63110CFF-E95C-4B20-AF77-94FEC6732EA4}"/>
               </a:ext>
             </a:extLst>
           </p:cNvPr>
@@ -4802,18 +4762,99 @@
           <a:p>
             <a:r>
               <a:rPr lang="en-US" dirty="0"/>
-              <a:t>Electricity Generation – Renewables (U.S.)</a:t>
-            </a:r>
+              <a:t>Emerging Technology in Electricity Generation</a:t>
+            </a:r>
+          </a:p>
+        </p:txBody>
+      </p:sp>
+      <p:sp>
+        <p:nvSpPr>
+          <p:cNvPr id="3" name="Content Placeholder 2">
+            <a:extLst>
+              <a:ext uri="{FF2B5EF4-FFF2-40B4-BE49-F238E27FC236}">
+                <a16:creationId xmlns:a16="http://schemas.microsoft.com/office/drawing/2014/main" id="{07ACFE97-3D81-4781-BF1B-90EA28D12BC0}"/>
+              </a:ext>
+            </a:extLst>
+          </p:cNvPr>
+          <p:cNvSpPr>
+            <a:spLocks noGrp="1"/>
+          </p:cNvSpPr>
+          <p:nvPr>
+            <p:ph idx="1"/>
+          </p:nvPr>
+        </p:nvSpPr>
+        <p:spPr/>
+        <p:txBody>
+          <a:bodyPr/>
+          <a:lstStyle/>
+          <a:p>
+            <a:pPr marL="0" indent="0">
+              <a:buNone/>
+            </a:pPr>
+            <a:r>
+              <a:rPr lang="en-US" dirty="0"/>
+              <a:t>According to Drax:</a:t>
+            </a:r>
+          </a:p>
+          <a:p>
+            <a:r>
+              <a:rPr lang="en-US" dirty="0"/>
+              <a:t>Microbial Fuel Cells – harnessing the power of bacteria</a:t>
+            </a:r>
+          </a:p>
+          <a:p>
+            <a:r>
+              <a:rPr lang="en-US" dirty="0"/>
+              <a:t>Solar Power – solar voltaic glass and solar PV paint</a:t>
+            </a:r>
+          </a:p>
+          <a:p>
+            <a:r>
+              <a:rPr lang="en-US" dirty="0" err="1"/>
+              <a:t>Betavoltaics</a:t>
+            </a:r>
+            <a:r>
+              <a:rPr lang="en-US" dirty="0"/>
+              <a:t> – utilizing nuclear waste to generate electricity</a:t>
+            </a:r>
+          </a:p>
+          <a:p>
+            <a:r>
+              <a:rPr lang="en-US" dirty="0"/>
+              <a:t>Tidal Power – underwater turbines for tidal power stations</a:t>
+            </a:r>
+          </a:p>
+          <a:p>
+            <a:endParaRPr lang="en-US" dirty="0"/>
+          </a:p>
+          <a:p>
+            <a:endParaRPr lang="en-US" dirty="0"/>
+          </a:p>
+          <a:p>
+            <a:pPr marL="0" indent="0">
+              <a:buNone/>
+            </a:pPr>
+            <a:r>
+              <a:rPr lang="en-US" sz="1800" dirty="0"/>
+              <a:t>Source:  </a:t>
+            </a:r>
+            <a:r>
+              <a:rPr lang="en-US" sz="1200" dirty="0">
+                <a:hlinkClick r:id="rId2"/>
+              </a:rPr>
+              <a:t>4 of the most exciting emerging technologies in electricity generation (drax.com)</a:t>
+            </a:r>
+            <a:endParaRPr lang="en-US" sz="1800" dirty="0"/>
           </a:p>
         </p:txBody>
       </p:sp>
       <p:pic>
         <p:nvPicPr>
           <p:cNvPr id="4" name="Picture 2" descr="Nashville Software School Small Logo">
-            <a:hlinkClick r:id="rId2"/>
-            <a:extLst>
-              <a:ext uri="{FF2B5EF4-FFF2-40B4-BE49-F238E27FC236}">
-                <a16:creationId xmlns:a16="http://schemas.microsoft.com/office/drawing/2014/main" id="{52F12515-A7AB-40FF-BED8-66A49A54D86D}"/>
+            <a:hlinkClick r:id="rId3"/>
+            <a:extLst>
+              <a:ext uri="{FF2B5EF4-FFF2-40B4-BE49-F238E27FC236}">
+                <a16:creationId xmlns:a16="http://schemas.microsoft.com/office/drawing/2014/main" id="{D3CAC65C-FC23-489F-B312-59445B5F5482}"/>
               </a:ext>
             </a:extLst>
           </p:cNvPr>
@@ -4823,7 +4864,7 @@
           <p:nvPr/>
         </p:nvPicPr>
         <p:blipFill>
-          <a:blip r:embed="rId3">
+          <a:blip r:embed="rId4">
             <a:extLst>
               <a:ext uri="{28A0092B-C50C-407E-A947-70E740481C1C}">
                 <a14:useLocalDpi xmlns:a14="http://schemas.microsoft.com/office/drawing/2010/main" val="0"/>
@@ -4855,81 +4896,10 @@
           </a:extLst>
         </p:spPr>
       </p:pic>
-      <p:pic>
-        <p:nvPicPr>
-          <p:cNvPr id="5" name="Picture 4">
-            <a:extLst>
-              <a:ext uri="{FF2B5EF4-FFF2-40B4-BE49-F238E27FC236}">
-                <a16:creationId xmlns:a16="http://schemas.microsoft.com/office/drawing/2014/main" id="{A5F28925-9D29-4F37-9D46-55FB2CEB7EB9}"/>
-              </a:ext>
-            </a:extLst>
-          </p:cNvPr>
-          <p:cNvPicPr>
-            <a:picLocks noChangeAspect="1"/>
-          </p:cNvPicPr>
-          <p:nvPr/>
-        </p:nvPicPr>
-        <p:blipFill>
-          <a:blip r:embed="rId4"/>
-          <a:stretch>
-            <a:fillRect/>
-          </a:stretch>
-        </p:blipFill>
-        <p:spPr>
-          <a:xfrm>
-            <a:off x="838200" y="1709737"/>
-            <a:ext cx="10239375" cy="3862388"/>
-          </a:xfrm>
-          <a:prstGeom prst="rect">
-            <a:avLst/>
-          </a:prstGeom>
-        </p:spPr>
-      </p:pic>
-      <p:sp>
-        <p:nvSpPr>
-          <p:cNvPr id="3" name="TextBox 2">
-            <a:extLst>
-              <a:ext uri="{FF2B5EF4-FFF2-40B4-BE49-F238E27FC236}">
-                <a16:creationId xmlns:a16="http://schemas.microsoft.com/office/drawing/2014/main" id="{A2D93A8C-407C-4898-8FAB-DE1F3A520C58}"/>
-              </a:ext>
-            </a:extLst>
-          </p:cNvPr>
-          <p:cNvSpPr txBox="1"/>
-          <p:nvPr/>
-        </p:nvSpPr>
-        <p:spPr>
-          <a:xfrm>
-            <a:off x="838200" y="5706533"/>
-            <a:ext cx="10117667" cy="646331"/>
-          </a:xfrm>
-          <a:prstGeom prst="rect">
-            <a:avLst/>
-          </a:prstGeom>
-          <a:noFill/>
-        </p:spPr>
-        <p:txBody>
-          <a:bodyPr wrap="square" rtlCol="0">
-            <a:spAutoFit/>
-          </a:bodyPr>
-          <a:lstStyle/>
-          <a:p>
-            <a:r>
-              <a:rPr lang="en-US" dirty="0"/>
-              <a:t>Wind, with a sharp rise, more than doubles in output during the decade</a:t>
-            </a:r>
-          </a:p>
-          <a:p>
-            <a:r>
-              <a:rPr lang="en-US" dirty="0"/>
-              <a:t>Solar-Photovoltaic shows a similar rise, but from a much lower starting point</a:t>
-            </a:r>
-          </a:p>
-        </p:txBody>
-      </p:sp>
     </p:spTree>
     <p:extLst>
       <p:ext uri="{BB962C8B-B14F-4D97-AF65-F5344CB8AC3E}">
-        <p14:creationId xmlns:p14="http://schemas.microsoft.com/office/powerpoint/2010/main" val="897099288"/>
+        <p14:creationId xmlns:p14="http://schemas.microsoft.com/office/powerpoint/2010/main" val="2717246292"/>
       </p:ext>
     </p:extLst>
   </p:cSld>
@@ -4966,10 +4936,10 @@
       </p:grpSpPr>
       <p:sp>
         <p:nvSpPr>
-          <p:cNvPr id="4" name="Title 1">
-            <a:extLst>
-              <a:ext uri="{FF2B5EF4-FFF2-40B4-BE49-F238E27FC236}">
-                <a16:creationId xmlns:a16="http://schemas.microsoft.com/office/drawing/2014/main" id="{2CA968DF-4316-4AA6-98FB-3CC8EE817236}"/>
+          <p:cNvPr id="2" name="Title 1">
+            <a:extLst>
+              <a:ext uri="{FF2B5EF4-FFF2-40B4-BE49-F238E27FC236}">
+                <a16:creationId xmlns:a16="http://schemas.microsoft.com/office/drawing/2014/main" id="{0D7F4B58-7489-473F-AC95-209613F45CF6}"/>
               </a:ext>
             </a:extLst>
           </p:cNvPr>
@@ -4980,123 +4950,25 @@
             <p:ph type="title"/>
           </p:nvPr>
         </p:nvSpPr>
-        <p:spPr>
-          <a:xfrm>
-            <a:off x="838200" y="311859"/>
-            <a:ext cx="10515600" cy="1325563"/>
-          </a:xfrm>
-        </p:spPr>
+        <p:spPr/>
         <p:txBody>
           <a:bodyPr/>
           <a:lstStyle/>
           <a:p>
-            <a:pPr algn="ctr"/>
             <a:r>
               <a:rPr lang="en-US" dirty="0"/>
-              <a:t>Items for Discussion</a:t>
-            </a:r>
-          </a:p>
-        </p:txBody>
-      </p:sp>
-      <p:sp>
-        <p:nvSpPr>
-          <p:cNvPr id="5" name="Content Placeholder 2">
-            <a:extLst>
-              <a:ext uri="{FF2B5EF4-FFF2-40B4-BE49-F238E27FC236}">
-                <a16:creationId xmlns:a16="http://schemas.microsoft.com/office/drawing/2014/main" id="{13B7CAD3-A2AE-4EB2-BBF9-0FBB6C7EA92E}"/>
-              </a:ext>
-            </a:extLst>
-          </p:cNvPr>
-          <p:cNvSpPr>
-            <a:spLocks noGrp="1"/>
-          </p:cNvSpPr>
-          <p:nvPr>
-            <p:ph idx="1"/>
-          </p:nvPr>
-        </p:nvSpPr>
-        <p:spPr>
-          <a:xfrm>
-            <a:off x="838200" y="2166151"/>
-            <a:ext cx="10515600" cy="4010812"/>
-          </a:xfrm>
-        </p:spPr>
-        <p:txBody>
-          <a:bodyPr/>
-          <a:lstStyle/>
-          <a:p>
-            <a:pPr>
-              <a:spcBef>
-                <a:spcPts val="3600"/>
-              </a:spcBef>
-            </a:pPr>
-            <a:r>
-              <a:rPr lang="en-US" dirty="0">
-                <a:solidFill>
-                  <a:schemeClr val="bg2">
-                    <a:lumMod val="90000"/>
-                  </a:schemeClr>
-                </a:solidFill>
-              </a:rPr>
-              <a:t>What is the current state of </a:t>
-            </a:r>
-            <a:r>
-              <a:rPr lang="en-US" b="1" i="1" u="sng" dirty="0">
-                <a:solidFill>
-                  <a:schemeClr val="bg2">
-                    <a:lumMod val="90000"/>
-                  </a:schemeClr>
-                </a:solidFill>
-              </a:rPr>
-              <a:t>Clean</a:t>
-            </a:r>
-            <a:r>
-              <a:rPr lang="en-US" dirty="0">
-                <a:solidFill>
-                  <a:schemeClr val="bg2">
-                    <a:lumMod val="90000"/>
-                  </a:schemeClr>
-                </a:solidFill>
-              </a:rPr>
-              <a:t> Electricity Generation?</a:t>
-            </a:r>
-          </a:p>
-          <a:p>
-            <a:pPr>
-              <a:spcBef>
-                <a:spcPts val="3600"/>
-              </a:spcBef>
-            </a:pPr>
-            <a:r>
-              <a:rPr lang="en-US" dirty="0">
-                <a:solidFill>
-                  <a:schemeClr val="bg2">
-                    <a:lumMod val="90000"/>
-                  </a:schemeClr>
-                </a:solidFill>
-              </a:rPr>
-              <a:t>Can we make progress toward Green Energy and Reduced Emissions?</a:t>
-            </a:r>
-          </a:p>
-          <a:p>
-            <a:pPr>
-              <a:spcBef>
-                <a:spcPts val="3600"/>
-              </a:spcBef>
-            </a:pPr>
-            <a:r>
-              <a:rPr lang="en-US" dirty="0"/>
-              <a:t>Are Electric Vehicles (EV’s) a viable alternative to fossil-fuel, powered vehicles?</a:t>
+              <a:t>Electricity Generation – Renewables (U.S.)</a:t>
             </a:r>
           </a:p>
         </p:txBody>
       </p:sp>
       <p:pic>
         <p:nvPicPr>
-          <p:cNvPr id="6" name="Picture 2" descr="Nashville Software School Small Logo">
+          <p:cNvPr id="4" name="Picture 2" descr="Nashville Software School Small Logo">
             <a:hlinkClick r:id="rId2"/>
             <a:extLst>
               <a:ext uri="{FF2B5EF4-FFF2-40B4-BE49-F238E27FC236}">
-                <a16:creationId xmlns:a16="http://schemas.microsoft.com/office/drawing/2014/main" id="{18E50FC8-8657-4652-A5AD-B3618BAB6FEA}"/>
+                <a16:creationId xmlns:a16="http://schemas.microsoft.com/office/drawing/2014/main" id="{52F12515-A7AB-40FF-BED8-66A49A54D86D}"/>
               </a:ext>
             </a:extLst>
           </p:cNvPr>
@@ -5138,10 +5010,81 @@
           </a:extLst>
         </p:spPr>
       </p:pic>
+      <p:pic>
+        <p:nvPicPr>
+          <p:cNvPr id="5" name="Picture 4">
+            <a:extLst>
+              <a:ext uri="{FF2B5EF4-FFF2-40B4-BE49-F238E27FC236}">
+                <a16:creationId xmlns:a16="http://schemas.microsoft.com/office/drawing/2014/main" id="{A5F28925-9D29-4F37-9D46-55FB2CEB7EB9}"/>
+              </a:ext>
+            </a:extLst>
+          </p:cNvPr>
+          <p:cNvPicPr>
+            <a:picLocks noChangeAspect="1"/>
+          </p:cNvPicPr>
+          <p:nvPr/>
+        </p:nvPicPr>
+        <p:blipFill>
+          <a:blip r:embed="rId4"/>
+          <a:stretch>
+            <a:fillRect/>
+          </a:stretch>
+        </p:blipFill>
+        <p:spPr>
+          <a:xfrm>
+            <a:off x="838200" y="1709737"/>
+            <a:ext cx="10239375" cy="3862388"/>
+          </a:xfrm>
+          <a:prstGeom prst="rect">
+            <a:avLst/>
+          </a:prstGeom>
+        </p:spPr>
+      </p:pic>
+      <p:sp>
+        <p:nvSpPr>
+          <p:cNvPr id="3" name="TextBox 2">
+            <a:extLst>
+              <a:ext uri="{FF2B5EF4-FFF2-40B4-BE49-F238E27FC236}">
+                <a16:creationId xmlns:a16="http://schemas.microsoft.com/office/drawing/2014/main" id="{A2D93A8C-407C-4898-8FAB-DE1F3A520C58}"/>
+              </a:ext>
+            </a:extLst>
+          </p:cNvPr>
+          <p:cNvSpPr txBox="1"/>
+          <p:nvPr/>
+        </p:nvSpPr>
+        <p:spPr>
+          <a:xfrm>
+            <a:off x="838200" y="5706533"/>
+            <a:ext cx="10117667" cy="646331"/>
+          </a:xfrm>
+          <a:prstGeom prst="rect">
+            <a:avLst/>
+          </a:prstGeom>
+          <a:noFill/>
+        </p:spPr>
+        <p:txBody>
+          <a:bodyPr wrap="square" rtlCol="0">
+            <a:spAutoFit/>
+          </a:bodyPr>
+          <a:lstStyle/>
+          <a:p>
+            <a:r>
+              <a:rPr lang="en-US" dirty="0"/>
+              <a:t>Wind, with a sharp rise, more than doubles in output during the decade</a:t>
+            </a:r>
+          </a:p>
+          <a:p>
+            <a:r>
+              <a:rPr lang="en-US" dirty="0"/>
+              <a:t>Solar-Photovoltaic shows a similar rise, but from a much lower starting point</a:t>
+            </a:r>
+          </a:p>
+        </p:txBody>
+      </p:sp>
     </p:spTree>
     <p:extLst>
       <p:ext uri="{BB962C8B-B14F-4D97-AF65-F5344CB8AC3E}">
-        <p14:creationId xmlns:p14="http://schemas.microsoft.com/office/powerpoint/2010/main" val="4216732228"/>
+        <p14:creationId xmlns:p14="http://schemas.microsoft.com/office/powerpoint/2010/main" val="897099288"/>
       </p:ext>
     </p:extLst>
   </p:cSld>
@@ -5178,10 +5121,10 @@
       </p:grpSpPr>
       <p:sp>
         <p:nvSpPr>
-          <p:cNvPr id="2" name="Title 1">
-            <a:extLst>
-              <a:ext uri="{FF2B5EF4-FFF2-40B4-BE49-F238E27FC236}">
-                <a16:creationId xmlns:a16="http://schemas.microsoft.com/office/drawing/2014/main" id="{47A2DE07-DB25-4122-BE18-FC17BB83ED4E}"/>
+          <p:cNvPr id="4" name="Title 1">
+            <a:extLst>
+              <a:ext uri="{FF2B5EF4-FFF2-40B4-BE49-F238E27FC236}">
+                <a16:creationId xmlns:a16="http://schemas.microsoft.com/office/drawing/2014/main" id="{2CA968DF-4316-4AA6-98FB-3CC8EE817236}"/>
               </a:ext>
             </a:extLst>
           </p:cNvPr>
@@ -5192,25 +5135,123 @@
             <p:ph type="title"/>
           </p:nvPr>
         </p:nvSpPr>
-        <p:spPr/>
+        <p:spPr>
+          <a:xfrm>
+            <a:off x="838200" y="311859"/>
+            <a:ext cx="10515600" cy="1325563"/>
+          </a:xfrm>
+        </p:spPr>
         <p:txBody>
           <a:bodyPr/>
           <a:lstStyle/>
           <a:p>
+            <a:pPr algn="ctr"/>
             <a:r>
               <a:rPr lang="en-US" dirty="0"/>
-              <a:t>U.S. Light-Duty Vehicle Sales (All)</a:t>
+              <a:t>Items for Discussion</a:t>
+            </a:r>
+          </a:p>
+        </p:txBody>
+      </p:sp>
+      <p:sp>
+        <p:nvSpPr>
+          <p:cNvPr id="5" name="Content Placeholder 2">
+            <a:extLst>
+              <a:ext uri="{FF2B5EF4-FFF2-40B4-BE49-F238E27FC236}">
+                <a16:creationId xmlns:a16="http://schemas.microsoft.com/office/drawing/2014/main" id="{13B7CAD3-A2AE-4EB2-BBF9-0FBB6C7EA92E}"/>
+              </a:ext>
+            </a:extLst>
+          </p:cNvPr>
+          <p:cNvSpPr>
+            <a:spLocks noGrp="1"/>
+          </p:cNvSpPr>
+          <p:nvPr>
+            <p:ph idx="1"/>
+          </p:nvPr>
+        </p:nvSpPr>
+        <p:spPr>
+          <a:xfrm>
+            <a:off x="838200" y="2166151"/>
+            <a:ext cx="10515600" cy="4010812"/>
+          </a:xfrm>
+        </p:spPr>
+        <p:txBody>
+          <a:bodyPr/>
+          <a:lstStyle/>
+          <a:p>
+            <a:pPr>
+              <a:spcBef>
+                <a:spcPts val="3600"/>
+              </a:spcBef>
+            </a:pPr>
+            <a:r>
+              <a:rPr lang="en-US" dirty="0">
+                <a:solidFill>
+                  <a:schemeClr val="bg2">
+                    <a:lumMod val="90000"/>
+                  </a:schemeClr>
+                </a:solidFill>
+              </a:rPr>
+              <a:t>What is the current state of </a:t>
+            </a:r>
+            <a:r>
+              <a:rPr lang="en-US" b="1" i="1" u="sng" dirty="0">
+                <a:solidFill>
+                  <a:schemeClr val="bg2">
+                    <a:lumMod val="90000"/>
+                  </a:schemeClr>
+                </a:solidFill>
+              </a:rPr>
+              <a:t>Clean</a:t>
+            </a:r>
+            <a:r>
+              <a:rPr lang="en-US" dirty="0">
+                <a:solidFill>
+                  <a:schemeClr val="bg2">
+                    <a:lumMod val="90000"/>
+                  </a:schemeClr>
+                </a:solidFill>
+              </a:rPr>
+              <a:t> Electricity Generation?</a:t>
+            </a:r>
+          </a:p>
+          <a:p>
+            <a:pPr>
+              <a:spcBef>
+                <a:spcPts val="3600"/>
+              </a:spcBef>
+            </a:pPr>
+            <a:r>
+              <a:rPr lang="en-US" dirty="0">
+                <a:solidFill>
+                  <a:schemeClr val="bg2">
+                    <a:lumMod val="90000"/>
+                  </a:schemeClr>
+                </a:solidFill>
+              </a:rPr>
+              <a:t>Can we make progress toward Green Energy and Reduced Emissions?</a:t>
+            </a:r>
+          </a:p>
+          <a:p>
+            <a:pPr>
+              <a:spcBef>
+                <a:spcPts val="3600"/>
+              </a:spcBef>
+            </a:pPr>
+            <a:r>
+              <a:rPr lang="en-US" dirty="0"/>
+              <a:t>Are Electric Vehicles (EV’s) a viable alternative to fossil-fuel, powered vehicles?</a:t>
             </a:r>
           </a:p>
         </p:txBody>
       </p:sp>
       <p:pic>
         <p:nvPicPr>
-          <p:cNvPr id="4" name="Picture 2" descr="Nashville Software School Small Logo">
+          <p:cNvPr id="6" name="Picture 2" descr="Nashville Software School Small Logo">
             <a:hlinkClick r:id="rId2"/>
             <a:extLst>
               <a:ext uri="{FF2B5EF4-FFF2-40B4-BE49-F238E27FC236}">
-                <a16:creationId xmlns:a16="http://schemas.microsoft.com/office/drawing/2014/main" id="{CA0B0827-3787-42D0-A0FB-2FF9CAE8A5D2}"/>
+                <a16:creationId xmlns:a16="http://schemas.microsoft.com/office/drawing/2014/main" id="{18E50FC8-8657-4652-A5AD-B3618BAB6FEA}"/>
               </a:ext>
             </a:extLst>
           </p:cNvPr>
@@ -5252,40 +5293,10 @@
           </a:extLst>
         </p:spPr>
       </p:pic>
-      <p:pic>
-        <p:nvPicPr>
-          <p:cNvPr id="5" name="Picture 4">
-            <a:extLst>
-              <a:ext uri="{FF2B5EF4-FFF2-40B4-BE49-F238E27FC236}">
-                <a16:creationId xmlns:a16="http://schemas.microsoft.com/office/drawing/2014/main" id="{E05004F8-04B0-4040-A032-A7E6610A94E7}"/>
-              </a:ext>
-            </a:extLst>
-          </p:cNvPr>
-          <p:cNvPicPr>
-            <a:picLocks noChangeAspect="1"/>
-          </p:cNvPicPr>
-          <p:nvPr/>
-        </p:nvPicPr>
-        <p:blipFill>
-          <a:blip r:embed="rId4"/>
-          <a:stretch>
-            <a:fillRect/>
-          </a:stretch>
-        </p:blipFill>
-        <p:spPr>
-          <a:xfrm>
-            <a:off x="838199" y="1947862"/>
-            <a:ext cx="10201275" cy="3533775"/>
-          </a:xfrm>
-          <a:prstGeom prst="rect">
-            <a:avLst/>
-          </a:prstGeom>
-        </p:spPr>
-      </p:pic>
     </p:spTree>
     <p:extLst>
       <p:ext uri="{BB962C8B-B14F-4D97-AF65-F5344CB8AC3E}">
-        <p14:creationId xmlns:p14="http://schemas.microsoft.com/office/powerpoint/2010/main" val="924521112"/>
+        <p14:creationId xmlns:p14="http://schemas.microsoft.com/office/powerpoint/2010/main" val="4216732228"/>
       </p:ext>
     </p:extLst>
   </p:cSld>
@@ -5325,7 +5336,7 @@
           <p:cNvPr id="2" name="Title 1">
             <a:extLst>
               <a:ext uri="{FF2B5EF4-FFF2-40B4-BE49-F238E27FC236}">
-                <a16:creationId xmlns:a16="http://schemas.microsoft.com/office/drawing/2014/main" id="{DBB57D6B-76B5-4C29-BB4F-0DE065BB04F3}"/>
+                <a16:creationId xmlns:a16="http://schemas.microsoft.com/office/drawing/2014/main" id="{47A2DE07-DB25-4122-BE18-FC17BB83ED4E}"/>
               </a:ext>
             </a:extLst>
           </p:cNvPr>
@@ -5343,7 +5354,7 @@
           <a:p>
             <a:r>
               <a:rPr lang="en-US" dirty="0"/>
-              <a:t>U.S. Light-Duty Vehicle Sales (EV only)</a:t>
+              <a:t>U.S. Light-Duty Vehicle Sales (All)</a:t>
             </a:r>
           </a:p>
         </p:txBody>
@@ -5354,7 +5365,7 @@
             <a:hlinkClick r:id="rId2"/>
             <a:extLst>
               <a:ext uri="{FF2B5EF4-FFF2-40B4-BE49-F238E27FC236}">
-                <a16:creationId xmlns:a16="http://schemas.microsoft.com/office/drawing/2014/main" id="{52467ABF-595A-4CC5-95AD-5682C8A07DA0}"/>
+                <a16:creationId xmlns:a16="http://schemas.microsoft.com/office/drawing/2014/main" id="{CA0B0827-3787-42D0-A0FB-2FF9CAE8A5D2}"/>
               </a:ext>
             </a:extLst>
           </p:cNvPr>
@@ -5401,7 +5412,7 @@
           <p:cNvPr id="5" name="Picture 4">
             <a:extLst>
               <a:ext uri="{FF2B5EF4-FFF2-40B4-BE49-F238E27FC236}">
-                <a16:creationId xmlns:a16="http://schemas.microsoft.com/office/drawing/2014/main" id="{97B8EE30-BD3D-4447-8CB6-EDCA64E30330}"/>
+                <a16:creationId xmlns:a16="http://schemas.microsoft.com/office/drawing/2014/main" id="{E05004F8-04B0-4040-A032-A7E6610A94E7}"/>
               </a:ext>
             </a:extLst>
           </p:cNvPr>
@@ -5418,8 +5429,8 @@
         </p:blipFill>
         <p:spPr>
           <a:xfrm>
-            <a:off x="838200" y="1985962"/>
-            <a:ext cx="10282237" cy="3681413"/>
+            <a:off x="838199" y="1947862"/>
+            <a:ext cx="10201275" cy="3533775"/>
           </a:xfrm>
           <a:prstGeom prst="rect">
             <a:avLst/>
@@ -5429,7 +5440,7 @@
     </p:spTree>
     <p:extLst>
       <p:ext uri="{BB962C8B-B14F-4D97-AF65-F5344CB8AC3E}">
-        <p14:creationId xmlns:p14="http://schemas.microsoft.com/office/powerpoint/2010/main" val="1290925655"/>
+        <p14:creationId xmlns:p14="http://schemas.microsoft.com/office/powerpoint/2010/main" val="924521112"/>
       </p:ext>
     </p:extLst>
   </p:cSld>
@@ -5464,115 +5475,41 @@
           <a:chExt cx="0" cy="0"/>
         </a:xfrm>
       </p:grpSpPr>
+      <p:sp>
+        <p:nvSpPr>
+          <p:cNvPr id="2" name="Title 1">
+            <a:extLst>
+              <a:ext uri="{FF2B5EF4-FFF2-40B4-BE49-F238E27FC236}">
+                <a16:creationId xmlns:a16="http://schemas.microsoft.com/office/drawing/2014/main" id="{DBB57D6B-76B5-4C29-BB4F-0DE065BB04F3}"/>
+              </a:ext>
+            </a:extLst>
+          </p:cNvPr>
+          <p:cNvSpPr>
+            <a:spLocks noGrp="1"/>
+          </p:cNvSpPr>
+          <p:nvPr>
+            <p:ph type="title"/>
+          </p:nvPr>
+        </p:nvSpPr>
+        <p:spPr/>
+        <p:txBody>
+          <a:bodyPr/>
+          <a:lstStyle/>
+          <a:p>
+            <a:r>
+              <a:rPr lang="en-US" dirty="0"/>
+              <a:t>U.S. Light-Duty Vehicle Sales (EV only)</a:t>
+            </a:r>
+          </a:p>
+        </p:txBody>
+      </p:sp>
       <p:pic>
         <p:nvPicPr>
-          <p:cNvPr id="4" name="Picture 3">
-            <a:extLst>
-              <a:ext uri="{FF2B5EF4-FFF2-40B4-BE49-F238E27FC236}">
-                <a16:creationId xmlns:a16="http://schemas.microsoft.com/office/drawing/2014/main" id="{AF0905BC-103E-4AEF-8FCC-277EF9CBA9AE}"/>
-              </a:ext>
-            </a:extLst>
-          </p:cNvPr>
-          <p:cNvPicPr>
-            <a:picLocks noChangeAspect="1"/>
-          </p:cNvPicPr>
-          <p:nvPr/>
-        </p:nvPicPr>
-        <p:blipFill>
-          <a:blip r:embed="rId2"/>
-          <a:stretch>
-            <a:fillRect/>
-          </a:stretch>
-        </p:blipFill>
-        <p:spPr>
-          <a:xfrm>
-            <a:off x="714375" y="776287"/>
-            <a:ext cx="10306050" cy="5453063"/>
-          </a:xfrm>
-          <a:prstGeom prst="rect">
-            <a:avLst/>
-          </a:prstGeom>
-        </p:spPr>
-      </p:pic>
-      <p:sp>
-        <p:nvSpPr>
-          <p:cNvPr id="2" name="Title 1">
-            <a:extLst>
-              <a:ext uri="{FF2B5EF4-FFF2-40B4-BE49-F238E27FC236}">
-                <a16:creationId xmlns:a16="http://schemas.microsoft.com/office/drawing/2014/main" id="{C53416BD-3DAE-4D6F-BA29-91058FDA91CA}"/>
-              </a:ext>
-            </a:extLst>
-          </p:cNvPr>
-          <p:cNvSpPr>
-            <a:spLocks noGrp="1"/>
-          </p:cNvSpPr>
-          <p:nvPr>
-            <p:ph type="title"/>
-          </p:nvPr>
-        </p:nvSpPr>
-        <p:spPr>
-          <a:xfrm>
-            <a:off x="647700" y="365125"/>
-            <a:ext cx="10706100" cy="1019175"/>
-          </a:xfrm>
-          <a:solidFill>
-            <a:srgbClr val="AFF4F7"/>
-          </a:solidFill>
-        </p:spPr>
-        <p:txBody>
-          <a:bodyPr/>
-          <a:lstStyle/>
-          <a:p>
-            <a:r>
-              <a:rPr lang="en-US" dirty="0"/>
-              <a:t>Public Recharging Stations</a:t>
-            </a:r>
-          </a:p>
-        </p:txBody>
-      </p:sp>
-      <p:sp>
-        <p:nvSpPr>
-          <p:cNvPr id="3" name="Content Placeholder 2">
-            <a:extLst>
-              <a:ext uri="{FF2B5EF4-FFF2-40B4-BE49-F238E27FC236}">
-                <a16:creationId xmlns:a16="http://schemas.microsoft.com/office/drawing/2014/main" id="{4A9D5210-D3B6-420B-8850-C466AC3DB1D3}"/>
-              </a:ext>
-            </a:extLst>
-          </p:cNvPr>
-          <p:cNvSpPr>
-            <a:spLocks noGrp="1"/>
-          </p:cNvSpPr>
-          <p:nvPr>
-            <p:ph idx="1"/>
-          </p:nvPr>
-        </p:nvSpPr>
-        <p:spPr>
-          <a:xfrm>
-            <a:off x="838200" y="1384300"/>
-            <a:ext cx="10515600" cy="612775"/>
-          </a:xfrm>
-        </p:spPr>
-        <p:txBody>
-          <a:bodyPr/>
-          <a:lstStyle/>
-          <a:p>
-            <a:pPr marL="0" indent="0" algn="ctr">
-              <a:buNone/>
-            </a:pPr>
-            <a:r>
-              <a:rPr lang="en-US" dirty="0"/>
-              <a:t>More than 49,000 exist as of 2021</a:t>
-            </a:r>
-          </a:p>
-        </p:txBody>
-      </p:sp>
-      <p:pic>
-        <p:nvPicPr>
-          <p:cNvPr id="5" name="Picture 2" descr="Nashville Software School Small Logo">
-            <a:hlinkClick r:id="rId3"/>
-            <a:extLst>
-              <a:ext uri="{FF2B5EF4-FFF2-40B4-BE49-F238E27FC236}">
-                <a16:creationId xmlns:a16="http://schemas.microsoft.com/office/drawing/2014/main" id="{180E1943-037D-43DE-9F9A-B67D7207FCD7}"/>
+          <p:cNvPr id="4" name="Picture 2" descr="Nashville Software School Small Logo">
+            <a:hlinkClick r:id="rId2"/>
+            <a:extLst>
+              <a:ext uri="{FF2B5EF4-FFF2-40B4-BE49-F238E27FC236}">
+                <a16:creationId xmlns:a16="http://schemas.microsoft.com/office/drawing/2014/main" id="{52467ABF-595A-4CC5-95AD-5682C8A07DA0}"/>
               </a:ext>
             </a:extLst>
           </p:cNvPr>
@@ -5582,7 +5519,7 @@
           <p:nvPr/>
         </p:nvPicPr>
         <p:blipFill>
-          <a:blip r:embed="rId4">
+          <a:blip r:embed="rId3">
             <a:extLst>
               <a:ext uri="{28A0092B-C50C-407E-A947-70E740481C1C}">
                 <a14:useLocalDpi xmlns:a14="http://schemas.microsoft.com/office/drawing/2010/main" val="0"/>
@@ -5596,7 +5533,7 @@
         </p:blipFill>
         <p:spPr bwMode="auto">
           <a:xfrm>
-            <a:off x="171450" y="6400006"/>
+            <a:off x="200025" y="6492875"/>
             <a:ext cx="2228856" cy="185738"/>
           </a:xfrm>
           <a:prstGeom prst="rect">
@@ -5614,10 +5551,40 @@
           </a:extLst>
         </p:spPr>
       </p:pic>
+      <p:pic>
+        <p:nvPicPr>
+          <p:cNvPr id="5" name="Picture 4">
+            <a:extLst>
+              <a:ext uri="{FF2B5EF4-FFF2-40B4-BE49-F238E27FC236}">
+                <a16:creationId xmlns:a16="http://schemas.microsoft.com/office/drawing/2014/main" id="{97B8EE30-BD3D-4447-8CB6-EDCA64E30330}"/>
+              </a:ext>
+            </a:extLst>
+          </p:cNvPr>
+          <p:cNvPicPr>
+            <a:picLocks noChangeAspect="1"/>
+          </p:cNvPicPr>
+          <p:nvPr/>
+        </p:nvPicPr>
+        <p:blipFill>
+          <a:blip r:embed="rId4"/>
+          <a:stretch>
+            <a:fillRect/>
+          </a:stretch>
+        </p:blipFill>
+        <p:spPr>
+          <a:xfrm>
+            <a:off x="838200" y="1985962"/>
+            <a:ext cx="10282237" cy="3681413"/>
+          </a:xfrm>
+          <a:prstGeom prst="rect">
+            <a:avLst/>
+          </a:prstGeom>
+        </p:spPr>
+      </p:pic>
     </p:spTree>
     <p:extLst>
       <p:ext uri="{BB962C8B-B14F-4D97-AF65-F5344CB8AC3E}">
-        <p14:creationId xmlns:p14="http://schemas.microsoft.com/office/powerpoint/2010/main" val="4087146958"/>
+        <p14:creationId xmlns:p14="http://schemas.microsoft.com/office/powerpoint/2010/main" val="1290925655"/>
       </p:ext>
     </p:extLst>
   </p:cSld>
@@ -5654,180 +5621,320 @@
       </p:grpSpPr>
       <p:sp>
         <p:nvSpPr>
-          <p:cNvPr id="2" name="Title 1">
-            <a:extLst>
-              <a:ext uri="{FF2B5EF4-FFF2-40B4-BE49-F238E27FC236}">
-                <a16:creationId xmlns:a16="http://schemas.microsoft.com/office/drawing/2014/main" id="{15FE692C-2E9C-4589-A19D-B2C847058421}"/>
-              </a:ext>
-            </a:extLst>
-          </p:cNvPr>
-          <p:cNvSpPr>
-            <a:spLocks noGrp="1"/>
-          </p:cNvSpPr>
-          <p:nvPr>
-            <p:ph type="title"/>
-          </p:nvPr>
-        </p:nvSpPr>
-        <p:spPr/>
-        <p:txBody>
-          <a:bodyPr/>
-          <a:lstStyle/>
-          <a:p>
-            <a:r>
-              <a:rPr lang="en-US" dirty="0"/>
-              <a:t>State of U.S. Environment and Impact</a:t>
-            </a:r>
-          </a:p>
-        </p:txBody>
-      </p:sp>
-      <p:sp>
-        <p:nvSpPr>
-          <p:cNvPr id="3" name="Content Placeholder 2">
-            <a:extLst>
-              <a:ext uri="{FF2B5EF4-FFF2-40B4-BE49-F238E27FC236}">
-                <a16:creationId xmlns:a16="http://schemas.microsoft.com/office/drawing/2014/main" id="{351536A4-98B4-4104-AA0B-18AEE3988D43}"/>
-              </a:ext>
-            </a:extLst>
-          </p:cNvPr>
-          <p:cNvSpPr>
-            <a:spLocks noGrp="1"/>
-          </p:cNvSpPr>
-          <p:nvPr>
-            <p:ph idx="1"/>
-          </p:nvPr>
+          <p:cNvPr id="7" name="Title 1">
+            <a:extLst>
+              <a:ext uri="{FF2B5EF4-FFF2-40B4-BE49-F238E27FC236}">
+                <a16:creationId xmlns:a16="http://schemas.microsoft.com/office/drawing/2014/main" id="{A35F8998-2D48-49E7-962E-9D89D410379D}"/>
+              </a:ext>
+            </a:extLst>
+          </p:cNvPr>
+          <p:cNvSpPr txBox="1">
+            <a:spLocks/>
+          </p:cNvSpPr>
+          <p:nvPr/>
+        </p:nvSpPr>
+        <p:spPr>
+          <a:xfrm>
+            <a:off x="838200" y="365125"/>
+            <a:ext cx="10515600" cy="1325563"/>
+          </a:xfrm>
+          <a:prstGeom prst="rect">
+            <a:avLst/>
+          </a:prstGeom>
+        </p:spPr>
+        <p:txBody>
+          <a:bodyPr vert="horz" lIns="91440" tIns="45720" rIns="91440" bIns="45720" rtlCol="0" anchor="ctr">
+            <a:normAutofit/>
+          </a:bodyPr>
+          <a:lstStyle>
+            <a:lvl1pPr algn="l" defTabSz="914400" rtl="0" eaLnBrk="1" latinLnBrk="0" hangingPunct="1">
+              <a:lnSpc>
+                <a:spcPct val="90000"/>
+              </a:lnSpc>
+              <a:spcBef>
+                <a:spcPct val="0"/>
+              </a:spcBef>
+              <a:buNone/>
+              <a:defRPr sz="4400" kern="1200">
+                <a:solidFill>
+                  <a:schemeClr val="tx1"/>
+                </a:solidFill>
+                <a:latin typeface="+mj-lt"/>
+                <a:ea typeface="+mj-ea"/>
+                <a:cs typeface="+mj-cs"/>
+              </a:defRPr>
+            </a:lvl1pPr>
+          </a:lstStyle>
+          <a:p>
+            <a:r>
+              <a:rPr lang="en-US" sz="4000" dirty="0"/>
+              <a:t>Electric Vehicle does NOT equal Zero Emissions</a:t>
+            </a:r>
+          </a:p>
+        </p:txBody>
+      </p:sp>
+      <p:sp>
+        <p:nvSpPr>
+          <p:cNvPr id="8" name="Content Placeholder 2">
+            <a:extLst>
+              <a:ext uri="{FF2B5EF4-FFF2-40B4-BE49-F238E27FC236}">
+                <a16:creationId xmlns:a16="http://schemas.microsoft.com/office/drawing/2014/main" id="{79B7B08E-C1AA-4FAA-8680-BB8C8A6EA08E}"/>
+              </a:ext>
+            </a:extLst>
+          </p:cNvPr>
+          <p:cNvSpPr txBox="1">
+            <a:spLocks/>
+          </p:cNvSpPr>
+          <p:nvPr/>
         </p:nvSpPr>
         <p:spPr>
           <a:xfrm>
             <a:off x="838200" y="1825624"/>
             <a:ext cx="10515600" cy="4537075"/>
           </a:xfrm>
-        </p:spPr>
-        <p:txBody>
-          <a:bodyPr>
+          <a:prstGeom prst="rect">
+            <a:avLst/>
+          </a:prstGeom>
+        </p:spPr>
+        <p:txBody>
+          <a:bodyPr vert="horz" lIns="91440" tIns="45720" rIns="91440" bIns="45720" rtlCol="0">
             <a:normAutofit/>
           </a:bodyPr>
-          <a:lstStyle/>
-          <a:p>
-            <a:r>
-              <a:rPr lang="en-US" dirty="0"/>
-              <a:t>2020 – 2</a:t>
-            </a:r>
-            <a:r>
-              <a:rPr lang="en-US" baseline="30000" dirty="0"/>
-              <a:t>nd</a:t>
-            </a:r>
-            <a:r>
-              <a:rPr lang="en-US" dirty="0"/>
-              <a:t> warmest year on record - </a:t>
-            </a:r>
-            <a:r>
-              <a:rPr lang="en-US" b="1" i="1" dirty="0">
+          <a:lstStyle>
+            <a:lvl1pPr marL="228600" indent="-228600" algn="l" defTabSz="914400" rtl="0" eaLnBrk="1" latinLnBrk="0" hangingPunct="1">
+              <a:lnSpc>
+                <a:spcPct val="90000"/>
+              </a:lnSpc>
+              <a:spcBef>
+                <a:spcPts val="1000"/>
+              </a:spcBef>
+              <a:buFont typeface="Arial" panose="020B0604020202020204" pitchFamily="34" charset="0"/>
+              <a:buChar char="•"/>
+              <a:defRPr sz="2800" kern="1200">
                 <a:solidFill>
-                  <a:srgbClr val="C00000"/>
+                  <a:schemeClr val="tx1"/>
                 </a:solidFill>
-              </a:rPr>
-              <a:t>NEGATIVE</a:t>
-            </a:r>
-          </a:p>
-          <a:p>
-            <a:r>
-              <a:rPr lang="en-US" dirty="0"/>
-              <a:t>All States, especially the Northeast, have become warmer over the past century - </a:t>
-            </a:r>
-            <a:r>
-              <a:rPr lang="en-US" b="1" i="1" dirty="0">
+                <a:latin typeface="+mn-lt"/>
+                <a:ea typeface="+mn-ea"/>
+                <a:cs typeface="+mn-cs"/>
+              </a:defRPr>
+            </a:lvl1pPr>
+            <a:lvl2pPr marL="685800" indent="-228600" algn="l" defTabSz="914400" rtl="0" eaLnBrk="1" latinLnBrk="0" hangingPunct="1">
+              <a:lnSpc>
+                <a:spcPct val="90000"/>
+              </a:lnSpc>
+              <a:spcBef>
+                <a:spcPts val="500"/>
+              </a:spcBef>
+              <a:buFont typeface="Arial" panose="020B0604020202020204" pitchFamily="34" charset="0"/>
+              <a:buChar char="•"/>
+              <a:defRPr sz="2400" kern="1200">
                 <a:solidFill>
-                  <a:srgbClr val="C00000"/>
+                  <a:schemeClr val="tx1"/>
                 </a:solidFill>
-              </a:rPr>
-              <a:t>NEGATIVE</a:t>
-            </a:r>
-          </a:p>
-          <a:p>
-            <a:r>
-              <a:rPr lang="en-US" dirty="0"/>
-              <a:t>Average rainfall is 5% higher at the beginning of the 21</a:t>
-            </a:r>
-            <a:r>
-              <a:rPr lang="en-US" baseline="30000" dirty="0"/>
-              <a:t>st</a:t>
-            </a:r>
-            <a:r>
-              <a:rPr lang="en-US" dirty="0"/>
-              <a:t> century than it was at the beginning of the 20</a:t>
-            </a:r>
-            <a:r>
-              <a:rPr lang="en-US" baseline="30000" dirty="0"/>
-              <a:t>th</a:t>
-            </a:r>
-            <a:r>
-              <a:rPr lang="en-US" dirty="0"/>
-              <a:t> century - </a:t>
-            </a:r>
-            <a:r>
-              <a:rPr lang="en-US" b="1" i="1" dirty="0">
+                <a:latin typeface="+mn-lt"/>
+                <a:ea typeface="+mn-ea"/>
+                <a:cs typeface="+mn-cs"/>
+              </a:defRPr>
+            </a:lvl2pPr>
+            <a:lvl3pPr marL="1143000" indent="-228600" algn="l" defTabSz="914400" rtl="0" eaLnBrk="1" latinLnBrk="0" hangingPunct="1">
+              <a:lnSpc>
+                <a:spcPct val="90000"/>
+              </a:lnSpc>
+              <a:spcBef>
+                <a:spcPts val="500"/>
+              </a:spcBef>
+              <a:buFont typeface="Arial" panose="020B0604020202020204" pitchFamily="34" charset="0"/>
+              <a:buChar char="•"/>
+              <a:defRPr sz="2000" kern="1200">
                 <a:solidFill>
-                  <a:schemeClr val="tx2"/>
+                  <a:schemeClr val="tx1"/>
                 </a:solidFill>
-              </a:rPr>
-              <a:t>UNKNOWN</a:t>
-            </a:r>
-          </a:p>
-          <a:p>
-            <a:r>
-              <a:rPr lang="en-US" dirty="0"/>
-              <a:t>States in the Northeast and along the Mississippi are getting more precipitation - </a:t>
-            </a:r>
-            <a:r>
-              <a:rPr lang="en-US" b="1" i="1" dirty="0">
+                <a:latin typeface="+mn-lt"/>
+                <a:ea typeface="+mn-ea"/>
+                <a:cs typeface="+mn-cs"/>
+              </a:defRPr>
+            </a:lvl3pPr>
+            <a:lvl4pPr marL="1600200" indent="-228600" algn="l" defTabSz="914400" rtl="0" eaLnBrk="1" latinLnBrk="0" hangingPunct="1">
+              <a:lnSpc>
+                <a:spcPct val="90000"/>
+              </a:lnSpc>
+              <a:spcBef>
+                <a:spcPts val="500"/>
+              </a:spcBef>
+              <a:buFont typeface="Arial" panose="020B0604020202020204" pitchFamily="34" charset="0"/>
+              <a:buChar char="•"/>
+              <a:defRPr sz="1800" kern="1200">
                 <a:solidFill>
-                  <a:schemeClr val="tx2"/>
+                  <a:schemeClr val="tx1"/>
                 </a:solidFill>
-              </a:rPr>
-              <a:t>UNKNOWN</a:t>
-            </a:r>
-          </a:p>
-          <a:p>
-            <a:r>
-              <a:rPr lang="en-US" dirty="0"/>
-              <a:t>In 1980, the average U.S. county have good air quality 59% of days.  In 2020, that rose to 88% of days - </a:t>
-            </a:r>
-            <a:r>
-              <a:rPr lang="en-US" b="1" i="1" dirty="0">
+                <a:latin typeface="+mn-lt"/>
+                <a:ea typeface="+mn-ea"/>
+                <a:cs typeface="+mn-cs"/>
+              </a:defRPr>
+            </a:lvl4pPr>
+            <a:lvl5pPr marL="2057400" indent="-228600" algn="l" defTabSz="914400" rtl="0" eaLnBrk="1" latinLnBrk="0" hangingPunct="1">
+              <a:lnSpc>
+                <a:spcPct val="90000"/>
+              </a:lnSpc>
+              <a:spcBef>
+                <a:spcPts val="500"/>
+              </a:spcBef>
+              <a:buFont typeface="Arial" panose="020B0604020202020204" pitchFamily="34" charset="0"/>
+              <a:buChar char="•"/>
+              <a:defRPr sz="1800" kern="1200">
                 <a:solidFill>
-                  <a:schemeClr val="accent6">
-                    <a:lumMod val="75000"/>
-                  </a:schemeClr>
+                  <a:schemeClr val="tx1"/>
                 </a:solidFill>
-              </a:rPr>
-              <a:t>POSITIVE</a:t>
-            </a:r>
-          </a:p>
+                <a:latin typeface="+mn-lt"/>
+                <a:ea typeface="+mn-ea"/>
+                <a:cs typeface="+mn-cs"/>
+              </a:defRPr>
+            </a:lvl5pPr>
+            <a:lvl6pPr marL="2514600" indent="-228600" algn="l" defTabSz="914400" rtl="0" eaLnBrk="1" latinLnBrk="0" hangingPunct="1">
+              <a:lnSpc>
+                <a:spcPct val="90000"/>
+              </a:lnSpc>
+              <a:spcBef>
+                <a:spcPts val="500"/>
+              </a:spcBef>
+              <a:buFont typeface="Arial" panose="020B0604020202020204" pitchFamily="34" charset="0"/>
+              <a:buChar char="•"/>
+              <a:defRPr sz="1800" kern="1200">
+                <a:solidFill>
+                  <a:schemeClr val="tx1"/>
+                </a:solidFill>
+                <a:latin typeface="+mn-lt"/>
+                <a:ea typeface="+mn-ea"/>
+                <a:cs typeface="+mn-cs"/>
+              </a:defRPr>
+            </a:lvl6pPr>
+            <a:lvl7pPr marL="2971800" indent="-228600" algn="l" defTabSz="914400" rtl="0" eaLnBrk="1" latinLnBrk="0" hangingPunct="1">
+              <a:lnSpc>
+                <a:spcPct val="90000"/>
+              </a:lnSpc>
+              <a:spcBef>
+                <a:spcPts val="500"/>
+              </a:spcBef>
+              <a:buFont typeface="Arial" panose="020B0604020202020204" pitchFamily="34" charset="0"/>
+              <a:buChar char="•"/>
+              <a:defRPr sz="1800" kern="1200">
+                <a:solidFill>
+                  <a:schemeClr val="tx1"/>
+                </a:solidFill>
+                <a:latin typeface="+mn-lt"/>
+                <a:ea typeface="+mn-ea"/>
+                <a:cs typeface="+mn-cs"/>
+              </a:defRPr>
+            </a:lvl7pPr>
+            <a:lvl8pPr marL="3429000" indent="-228600" algn="l" defTabSz="914400" rtl="0" eaLnBrk="1" latinLnBrk="0" hangingPunct="1">
+              <a:lnSpc>
+                <a:spcPct val="90000"/>
+              </a:lnSpc>
+              <a:spcBef>
+                <a:spcPts val="500"/>
+              </a:spcBef>
+              <a:buFont typeface="Arial" panose="020B0604020202020204" pitchFamily="34" charset="0"/>
+              <a:buChar char="•"/>
+              <a:defRPr sz="1800" kern="1200">
+                <a:solidFill>
+                  <a:schemeClr val="tx1"/>
+                </a:solidFill>
+                <a:latin typeface="+mn-lt"/>
+                <a:ea typeface="+mn-ea"/>
+                <a:cs typeface="+mn-cs"/>
+              </a:defRPr>
+            </a:lvl8pPr>
+            <a:lvl9pPr marL="3886200" indent="-228600" algn="l" defTabSz="914400" rtl="0" eaLnBrk="1" latinLnBrk="0" hangingPunct="1">
+              <a:lnSpc>
+                <a:spcPct val="90000"/>
+              </a:lnSpc>
+              <a:spcBef>
+                <a:spcPts val="500"/>
+              </a:spcBef>
+              <a:buFont typeface="Arial" panose="020B0604020202020204" pitchFamily="34" charset="0"/>
+              <a:buChar char="•"/>
+              <a:defRPr sz="1800" kern="1200">
+                <a:solidFill>
+                  <a:schemeClr val="tx1"/>
+                </a:solidFill>
+                <a:latin typeface="+mn-lt"/>
+                <a:ea typeface="+mn-ea"/>
+                <a:cs typeface="+mn-cs"/>
+              </a:defRPr>
+            </a:lvl9pPr>
+          </a:lstStyle>
           <a:p>
             <a:pPr marL="0" indent="0">
               <a:buNone/>
             </a:pPr>
             <a:r>
-              <a:rPr lang="en-US" sz="1800" dirty="0"/>
-              <a:t>Source:  </a:t>
-            </a:r>
-            <a:r>
-              <a:rPr lang="en-US" sz="1200" dirty="0">
-                <a:hlinkClick r:id="rId2"/>
-              </a:rPr>
-              <a:t>Environment and Climate | 2021 State of the Earth Facts (usafacts.org)</a:t>
-            </a:r>
-            <a:endParaRPr lang="en-US" sz="1800" dirty="0"/>
+              <a:rPr lang="en-US" b="1" u="sng" dirty="0"/>
+              <a:t>FACTS:</a:t>
+            </a:r>
+          </a:p>
+          <a:p>
+            <a:r>
+              <a:rPr lang="en-US" dirty="0"/>
+              <a:t>Electric Vehicles (EV’s) have no tailpipe emissions</a:t>
+            </a:r>
+            <a:endParaRPr lang="en-US" b="1" i="1" dirty="0">
+              <a:solidFill>
+                <a:srgbClr val="C00000"/>
+              </a:solidFill>
+            </a:endParaRPr>
+          </a:p>
+          <a:p>
+            <a:r>
+              <a:rPr lang="en-US" dirty="0"/>
+              <a:t>Electricity Generation by Renewable Sources = 20% of Electricity consumed</a:t>
+            </a:r>
+            <a:endParaRPr lang="en-US" b="1" i="1" dirty="0">
+              <a:solidFill>
+                <a:schemeClr val="tx2"/>
+              </a:solidFill>
+            </a:endParaRPr>
+          </a:p>
+          <a:p>
+            <a:r>
+              <a:rPr lang="en-US" dirty="0"/>
+              <a:t>80% of electricity used in EV’s generate greenhouse gasses</a:t>
+            </a:r>
+          </a:p>
+          <a:p>
+            <a:endParaRPr lang="en-US" b="1" i="1" dirty="0">
+              <a:solidFill>
+                <a:schemeClr val="tx2"/>
+              </a:solidFill>
+            </a:endParaRPr>
+          </a:p>
+          <a:p>
+            <a:pPr marL="0" indent="0">
+              <a:buNone/>
+            </a:pPr>
+            <a:r>
+              <a:rPr lang="en-US" b="1" u="sng" dirty="0"/>
+              <a:t>Outcome:</a:t>
+            </a:r>
+          </a:p>
+          <a:p>
+            <a:pPr marL="0" indent="0">
+              <a:buNone/>
+            </a:pPr>
+            <a:r>
+              <a:rPr lang="en-US" dirty="0"/>
+              <a:t>EV’s are cleaner than gasoline or diesel vehicles, but only by roughly 20%; at this point, not a stand-alone solution to the environment</a:t>
+            </a:r>
           </a:p>
         </p:txBody>
       </p:sp>
       <p:pic>
         <p:nvPicPr>
-          <p:cNvPr id="4" name="Picture 2" descr="Nashville Software School Small Logo">
-            <a:hlinkClick r:id="rId3"/>
-            <a:extLst>
-              <a:ext uri="{FF2B5EF4-FFF2-40B4-BE49-F238E27FC236}">
-                <a16:creationId xmlns:a16="http://schemas.microsoft.com/office/drawing/2014/main" id="{5A287302-C0C3-416C-87B3-C7EB0B42D688}"/>
+          <p:cNvPr id="9" name="Picture 2" descr="Nashville Software School Small Logo">
+            <a:hlinkClick r:id="rId2"/>
+            <a:extLst>
+              <a:ext uri="{FF2B5EF4-FFF2-40B4-BE49-F238E27FC236}">
+                <a16:creationId xmlns:a16="http://schemas.microsoft.com/office/drawing/2014/main" id="{BC5F2696-4661-4585-8B71-BEFEC63A4C34}"/>
               </a:ext>
             </a:extLst>
           </p:cNvPr>
@@ -5837,7 +5944,7 @@
           <p:nvPr/>
         </p:nvPicPr>
         <p:blipFill>
-          <a:blip r:embed="rId4">
+          <a:blip r:embed="rId3">
             <a:extLst>
               <a:ext uri="{28A0092B-C50C-407E-A947-70E740481C1C}">
                 <a14:useLocalDpi xmlns:a14="http://schemas.microsoft.com/office/drawing/2010/main" val="0"/>
@@ -5872,7 +5979,7 @@
     </p:spTree>
     <p:extLst>
       <p:ext uri="{BB962C8B-B14F-4D97-AF65-F5344CB8AC3E}">
-        <p14:creationId xmlns:p14="http://schemas.microsoft.com/office/powerpoint/2010/main" val="93332687"/>
+        <p14:creationId xmlns:p14="http://schemas.microsoft.com/office/powerpoint/2010/main" val="2649618529"/>
       </p:ext>
     </p:extLst>
   </p:cSld>
@@ -5883,6 +5990,851 @@
 </file>
 
 <file path=ppt/slides/slide20.xml><?xml version="1.0" encoding="utf-8"?>
+<p:sld xmlns:a="http://schemas.openxmlformats.org/drawingml/2006/main" xmlns:r="http://schemas.openxmlformats.org/officeDocument/2006/relationships" xmlns:p="http://schemas.openxmlformats.org/presentationml/2006/main">
+  <p:cSld>
+    <p:bg>
+      <p:bgPr>
+        <a:solidFill>
+          <a:srgbClr val="AFF4F7"/>
+        </a:solidFill>
+        <a:effectLst/>
+      </p:bgPr>
+    </p:bg>
+    <p:spTree>
+      <p:nvGrpSpPr>
+        <p:cNvPr id="1" name=""/>
+        <p:cNvGrpSpPr/>
+        <p:nvPr/>
+      </p:nvGrpSpPr>
+      <p:grpSpPr>
+        <a:xfrm>
+          <a:off x="0" y="0"/>
+          <a:ext cx="0" cy="0"/>
+          <a:chOff x="0" y="0"/>
+          <a:chExt cx="0" cy="0"/>
+        </a:xfrm>
+      </p:grpSpPr>
+      <p:pic>
+        <p:nvPicPr>
+          <p:cNvPr id="4" name="Picture 3">
+            <a:extLst>
+              <a:ext uri="{FF2B5EF4-FFF2-40B4-BE49-F238E27FC236}">
+                <a16:creationId xmlns:a16="http://schemas.microsoft.com/office/drawing/2014/main" id="{AF0905BC-103E-4AEF-8FCC-277EF9CBA9AE}"/>
+              </a:ext>
+            </a:extLst>
+          </p:cNvPr>
+          <p:cNvPicPr>
+            <a:picLocks noChangeAspect="1"/>
+          </p:cNvPicPr>
+          <p:nvPr/>
+        </p:nvPicPr>
+        <p:blipFill>
+          <a:blip r:embed="rId2"/>
+          <a:stretch>
+            <a:fillRect/>
+          </a:stretch>
+        </p:blipFill>
+        <p:spPr>
+          <a:xfrm>
+            <a:off x="714375" y="776287"/>
+            <a:ext cx="10306050" cy="5453063"/>
+          </a:xfrm>
+          <a:prstGeom prst="rect">
+            <a:avLst/>
+          </a:prstGeom>
+        </p:spPr>
+      </p:pic>
+      <p:sp>
+        <p:nvSpPr>
+          <p:cNvPr id="2" name="Title 1">
+            <a:extLst>
+              <a:ext uri="{FF2B5EF4-FFF2-40B4-BE49-F238E27FC236}">
+                <a16:creationId xmlns:a16="http://schemas.microsoft.com/office/drawing/2014/main" id="{C53416BD-3DAE-4D6F-BA29-91058FDA91CA}"/>
+              </a:ext>
+            </a:extLst>
+          </p:cNvPr>
+          <p:cNvSpPr>
+            <a:spLocks noGrp="1"/>
+          </p:cNvSpPr>
+          <p:nvPr>
+            <p:ph type="title"/>
+          </p:nvPr>
+        </p:nvSpPr>
+        <p:spPr>
+          <a:xfrm>
+            <a:off x="647700" y="365125"/>
+            <a:ext cx="10706100" cy="1019175"/>
+          </a:xfrm>
+          <a:solidFill>
+            <a:srgbClr val="AFF4F7"/>
+          </a:solidFill>
+        </p:spPr>
+        <p:txBody>
+          <a:bodyPr/>
+          <a:lstStyle/>
+          <a:p>
+            <a:r>
+              <a:rPr lang="en-US" dirty="0"/>
+              <a:t>Public Recharging Stations</a:t>
+            </a:r>
+          </a:p>
+        </p:txBody>
+      </p:sp>
+      <p:sp>
+        <p:nvSpPr>
+          <p:cNvPr id="3" name="Content Placeholder 2">
+            <a:extLst>
+              <a:ext uri="{FF2B5EF4-FFF2-40B4-BE49-F238E27FC236}">
+                <a16:creationId xmlns:a16="http://schemas.microsoft.com/office/drawing/2014/main" id="{4A9D5210-D3B6-420B-8850-C466AC3DB1D3}"/>
+              </a:ext>
+            </a:extLst>
+          </p:cNvPr>
+          <p:cNvSpPr>
+            <a:spLocks noGrp="1"/>
+          </p:cNvSpPr>
+          <p:nvPr>
+            <p:ph idx="1"/>
+          </p:nvPr>
+        </p:nvSpPr>
+        <p:spPr>
+          <a:xfrm>
+            <a:off x="838200" y="1384300"/>
+            <a:ext cx="10515600" cy="612775"/>
+          </a:xfrm>
+        </p:spPr>
+        <p:txBody>
+          <a:bodyPr/>
+          <a:lstStyle/>
+          <a:p>
+            <a:pPr marL="0" indent="0" algn="ctr">
+              <a:buNone/>
+            </a:pPr>
+            <a:r>
+              <a:rPr lang="en-US" dirty="0"/>
+              <a:t>More than 49,000 exist as of 2021</a:t>
+            </a:r>
+          </a:p>
+        </p:txBody>
+      </p:sp>
+      <p:pic>
+        <p:nvPicPr>
+          <p:cNvPr id="5" name="Picture 2" descr="Nashville Software School Small Logo">
+            <a:hlinkClick r:id="rId3"/>
+            <a:extLst>
+              <a:ext uri="{FF2B5EF4-FFF2-40B4-BE49-F238E27FC236}">
+                <a16:creationId xmlns:a16="http://schemas.microsoft.com/office/drawing/2014/main" id="{180E1943-037D-43DE-9F9A-B67D7207FCD7}"/>
+              </a:ext>
+            </a:extLst>
+          </p:cNvPr>
+          <p:cNvPicPr>
+            <a:picLocks noChangeAspect="1" noChangeArrowheads="1"/>
+          </p:cNvPicPr>
+          <p:nvPr/>
+        </p:nvPicPr>
+        <p:blipFill>
+          <a:blip r:embed="rId4">
+            <a:extLst>
+              <a:ext uri="{28A0092B-C50C-407E-A947-70E740481C1C}">
+                <a14:useLocalDpi xmlns:a14="http://schemas.microsoft.com/office/drawing/2010/main" val="0"/>
+              </a:ext>
+            </a:extLst>
+          </a:blip>
+          <a:srcRect/>
+          <a:stretch>
+            <a:fillRect/>
+          </a:stretch>
+        </p:blipFill>
+        <p:spPr bwMode="auto">
+          <a:xfrm>
+            <a:off x="171450" y="6400006"/>
+            <a:ext cx="2228856" cy="185738"/>
+          </a:xfrm>
+          <a:prstGeom prst="rect">
+            <a:avLst/>
+          </a:prstGeom>
+          <a:noFill/>
+          <a:extLst>
+            <a:ext uri="{909E8E84-426E-40DD-AFC4-6F175D3DCCD1}">
+              <a14:hiddenFill xmlns:a14="http://schemas.microsoft.com/office/drawing/2010/main">
+                <a:solidFill>
+                  <a:srgbClr val="FFFFFF"/>
+                </a:solidFill>
+              </a14:hiddenFill>
+            </a:ext>
+          </a:extLst>
+        </p:spPr>
+      </p:pic>
+    </p:spTree>
+    <p:extLst>
+      <p:ext uri="{BB962C8B-B14F-4D97-AF65-F5344CB8AC3E}">
+        <p14:creationId xmlns:p14="http://schemas.microsoft.com/office/powerpoint/2010/main" val="4087146958"/>
+      </p:ext>
+    </p:extLst>
+  </p:cSld>
+  <p:clrMapOvr>
+    <a:masterClrMapping/>
+  </p:clrMapOvr>
+</p:sld>
+</file>
+
+<file path=ppt/slides/slide21.xml><?xml version="1.0" encoding="utf-8"?>
+<p:sld xmlns:a="http://schemas.openxmlformats.org/drawingml/2006/main" xmlns:r="http://schemas.openxmlformats.org/officeDocument/2006/relationships" xmlns:p="http://schemas.openxmlformats.org/presentationml/2006/main">
+  <p:cSld>
+    <p:bg>
+      <p:bgPr>
+        <a:solidFill>
+          <a:srgbClr val="AFF4F7"/>
+        </a:solidFill>
+        <a:effectLst/>
+      </p:bgPr>
+    </p:bg>
+    <p:spTree>
+      <p:nvGrpSpPr>
+        <p:cNvPr id="1" name=""/>
+        <p:cNvGrpSpPr/>
+        <p:nvPr/>
+      </p:nvGrpSpPr>
+      <p:grpSpPr>
+        <a:xfrm>
+          <a:off x="0" y="0"/>
+          <a:ext cx="0" cy="0"/>
+          <a:chOff x="0" y="0"/>
+          <a:chExt cx="0" cy="0"/>
+        </a:xfrm>
+      </p:grpSpPr>
+      <p:sp>
+        <p:nvSpPr>
+          <p:cNvPr id="5" name="Title 1">
+            <a:extLst>
+              <a:ext uri="{FF2B5EF4-FFF2-40B4-BE49-F238E27FC236}">
+                <a16:creationId xmlns:a16="http://schemas.microsoft.com/office/drawing/2014/main" id="{9298446F-F8AE-4736-A8FB-1C760E80EECD}"/>
+              </a:ext>
+            </a:extLst>
+          </p:cNvPr>
+          <p:cNvSpPr>
+            <a:spLocks noGrp="1"/>
+          </p:cNvSpPr>
+          <p:nvPr>
+            <p:ph type="title"/>
+          </p:nvPr>
+        </p:nvSpPr>
+        <p:spPr>
+          <a:xfrm>
+            <a:off x="647700" y="365125"/>
+            <a:ext cx="10706100" cy="1019175"/>
+          </a:xfrm>
+          <a:solidFill>
+            <a:srgbClr val="AFF4F7"/>
+          </a:solidFill>
+        </p:spPr>
+        <p:txBody>
+          <a:bodyPr/>
+          <a:lstStyle/>
+          <a:p>
+            <a:r>
+              <a:rPr lang="en-US" dirty="0"/>
+              <a:t>Nashville to Hershey, PA in an EV</a:t>
+            </a:r>
+          </a:p>
+        </p:txBody>
+      </p:sp>
+      <p:pic>
+        <p:nvPicPr>
+          <p:cNvPr id="7" name="Picture 2" descr="Nashville Software School Small Logo">
+            <a:hlinkClick r:id="rId2"/>
+            <a:extLst>
+              <a:ext uri="{FF2B5EF4-FFF2-40B4-BE49-F238E27FC236}">
+                <a16:creationId xmlns:a16="http://schemas.microsoft.com/office/drawing/2014/main" id="{2EC9A384-B00E-4810-9599-9F6D2F40CEA7}"/>
+              </a:ext>
+            </a:extLst>
+          </p:cNvPr>
+          <p:cNvPicPr>
+            <a:picLocks noChangeAspect="1" noChangeArrowheads="1"/>
+          </p:cNvPicPr>
+          <p:nvPr/>
+        </p:nvPicPr>
+        <p:blipFill>
+          <a:blip r:embed="rId3">
+            <a:extLst>
+              <a:ext uri="{28A0092B-C50C-407E-A947-70E740481C1C}">
+                <a14:useLocalDpi xmlns:a14="http://schemas.microsoft.com/office/drawing/2010/main" val="0"/>
+              </a:ext>
+            </a:extLst>
+          </a:blip>
+          <a:srcRect/>
+          <a:stretch>
+            <a:fillRect/>
+          </a:stretch>
+        </p:blipFill>
+        <p:spPr bwMode="auto">
+          <a:xfrm>
+            <a:off x="171450" y="6400006"/>
+            <a:ext cx="2228856" cy="185738"/>
+          </a:xfrm>
+          <a:prstGeom prst="rect">
+            <a:avLst/>
+          </a:prstGeom>
+          <a:noFill/>
+          <a:extLst>
+            <a:ext uri="{909E8E84-426E-40DD-AFC4-6F175D3DCCD1}">
+              <a14:hiddenFill xmlns:a14="http://schemas.microsoft.com/office/drawing/2010/main">
+                <a:solidFill>
+                  <a:srgbClr val="FFFFFF"/>
+                </a:solidFill>
+              </a14:hiddenFill>
+            </a:ext>
+          </a:extLst>
+        </p:spPr>
+      </p:pic>
+      <p:pic>
+        <p:nvPicPr>
+          <p:cNvPr id="11" name="Picture 10">
+            <a:extLst>
+              <a:ext uri="{FF2B5EF4-FFF2-40B4-BE49-F238E27FC236}">
+                <a16:creationId xmlns:a16="http://schemas.microsoft.com/office/drawing/2014/main" id="{E6C416C2-1073-41CE-8BEA-EC0679152981}"/>
+              </a:ext>
+            </a:extLst>
+          </p:cNvPr>
+          <p:cNvPicPr>
+            <a:picLocks noChangeAspect="1"/>
+          </p:cNvPicPr>
+          <p:nvPr/>
+        </p:nvPicPr>
+        <p:blipFill>
+          <a:blip r:embed="rId4">
+            <a:extLst>
+              <a:ext uri="{28A0092B-C50C-407E-A947-70E740481C1C}">
+                <a14:useLocalDpi xmlns:a14="http://schemas.microsoft.com/office/drawing/2010/main" val="0"/>
+              </a:ext>
+            </a:extLst>
+          </a:blip>
+          <a:stretch>
+            <a:fillRect/>
+          </a:stretch>
+        </p:blipFill>
+        <p:spPr>
+          <a:xfrm>
+            <a:off x="1100831" y="1268542"/>
+            <a:ext cx="9907480" cy="4891663"/>
+          </a:xfrm>
+          <a:prstGeom prst="rect">
+            <a:avLst/>
+          </a:prstGeom>
+        </p:spPr>
+      </p:pic>
+      <p:cxnSp>
+        <p:nvCxnSpPr>
+          <p:cNvPr id="13" name="Straight Connector 12">
+            <a:extLst>
+              <a:ext uri="{FF2B5EF4-FFF2-40B4-BE49-F238E27FC236}">
+                <a16:creationId xmlns:a16="http://schemas.microsoft.com/office/drawing/2014/main" id="{B14397D2-ACD8-4581-B3BB-95EF3084059E}"/>
+              </a:ext>
+            </a:extLst>
+          </p:cNvPr>
+          <p:cNvCxnSpPr/>
+          <p:nvPr/>
+        </p:nvCxnSpPr>
+        <p:spPr>
+          <a:xfrm>
+            <a:off x="1775534" y="5788241"/>
+            <a:ext cx="2414726" cy="0"/>
+          </a:xfrm>
+          <a:prstGeom prst="line">
+            <a:avLst/>
+          </a:prstGeom>
+          <a:ln w="57150"/>
+        </p:spPr>
+        <p:style>
+          <a:lnRef idx="1">
+            <a:schemeClr val="accent1"/>
+          </a:lnRef>
+          <a:fillRef idx="0">
+            <a:schemeClr val="accent1"/>
+          </a:fillRef>
+          <a:effectRef idx="0">
+            <a:schemeClr val="accent1"/>
+          </a:effectRef>
+          <a:fontRef idx="minor">
+            <a:schemeClr val="tx1"/>
+          </a:fontRef>
+        </p:style>
+      </p:cxnSp>
+      <p:cxnSp>
+        <p:nvCxnSpPr>
+          <p:cNvPr id="15" name="Straight Connector 14">
+            <a:extLst>
+              <a:ext uri="{FF2B5EF4-FFF2-40B4-BE49-F238E27FC236}">
+                <a16:creationId xmlns:a16="http://schemas.microsoft.com/office/drawing/2014/main" id="{F3BF2C4F-4AFB-4968-AD6D-C3A1CEFC6A2D}"/>
+              </a:ext>
+            </a:extLst>
+          </p:cNvPr>
+          <p:cNvCxnSpPr/>
+          <p:nvPr/>
+        </p:nvCxnSpPr>
+        <p:spPr>
+          <a:xfrm flipV="1">
+            <a:off x="4172505" y="5370990"/>
+            <a:ext cx="1296140" cy="399495"/>
+          </a:xfrm>
+          <a:prstGeom prst="line">
+            <a:avLst/>
+          </a:prstGeom>
+          <a:ln w="53975"/>
+        </p:spPr>
+        <p:style>
+          <a:lnRef idx="1">
+            <a:schemeClr val="accent1"/>
+          </a:lnRef>
+          <a:fillRef idx="0">
+            <a:schemeClr val="accent1"/>
+          </a:fillRef>
+          <a:effectRef idx="0">
+            <a:schemeClr val="accent1"/>
+          </a:effectRef>
+          <a:fontRef idx="minor">
+            <a:schemeClr val="tx1"/>
+          </a:fontRef>
+        </p:style>
+      </p:cxnSp>
+      <p:cxnSp>
+        <p:nvCxnSpPr>
+          <p:cNvPr id="17" name="Straight Connector 16">
+            <a:extLst>
+              <a:ext uri="{FF2B5EF4-FFF2-40B4-BE49-F238E27FC236}">
+                <a16:creationId xmlns:a16="http://schemas.microsoft.com/office/drawing/2014/main" id="{314E3B60-E3BE-4F04-995E-7FE1D2BE5925}"/>
+              </a:ext>
+            </a:extLst>
+          </p:cNvPr>
+          <p:cNvCxnSpPr/>
+          <p:nvPr/>
+        </p:nvCxnSpPr>
+        <p:spPr>
+          <a:xfrm flipV="1">
+            <a:off x="5486400" y="4352925"/>
+            <a:ext cx="2514600" cy="1018066"/>
+          </a:xfrm>
+          <a:prstGeom prst="line">
+            <a:avLst/>
+          </a:prstGeom>
+          <a:ln w="53975"/>
+        </p:spPr>
+        <p:style>
+          <a:lnRef idx="1">
+            <a:schemeClr val="accent1"/>
+          </a:lnRef>
+          <a:fillRef idx="0">
+            <a:schemeClr val="accent1"/>
+          </a:fillRef>
+          <a:effectRef idx="0">
+            <a:schemeClr val="accent1"/>
+          </a:effectRef>
+          <a:fontRef idx="minor">
+            <a:schemeClr val="tx1"/>
+          </a:fontRef>
+        </p:style>
+      </p:cxnSp>
+      <p:cxnSp>
+        <p:nvCxnSpPr>
+          <p:cNvPr id="19" name="Straight Connector 18">
+            <a:extLst>
+              <a:ext uri="{FF2B5EF4-FFF2-40B4-BE49-F238E27FC236}">
+                <a16:creationId xmlns:a16="http://schemas.microsoft.com/office/drawing/2014/main" id="{B5266366-B155-4CE2-BC1B-1CD598BA1383}"/>
+              </a:ext>
+            </a:extLst>
+          </p:cNvPr>
+          <p:cNvCxnSpPr/>
+          <p:nvPr/>
+        </p:nvCxnSpPr>
+        <p:spPr>
+          <a:xfrm flipV="1">
+            <a:off x="8020050" y="2867025"/>
+            <a:ext cx="1095375" cy="1484791"/>
+          </a:xfrm>
+          <a:prstGeom prst="line">
+            <a:avLst/>
+          </a:prstGeom>
+          <a:ln w="53975"/>
+        </p:spPr>
+        <p:style>
+          <a:lnRef idx="1">
+            <a:schemeClr val="accent1"/>
+          </a:lnRef>
+          <a:fillRef idx="0">
+            <a:schemeClr val="accent1"/>
+          </a:fillRef>
+          <a:effectRef idx="0">
+            <a:schemeClr val="accent1"/>
+          </a:effectRef>
+          <a:fontRef idx="minor">
+            <a:schemeClr val="tx1"/>
+          </a:fontRef>
+        </p:style>
+      </p:cxnSp>
+      <p:cxnSp>
+        <p:nvCxnSpPr>
+          <p:cNvPr id="21" name="Straight Arrow Connector 20">
+            <a:extLst>
+              <a:ext uri="{FF2B5EF4-FFF2-40B4-BE49-F238E27FC236}">
+                <a16:creationId xmlns:a16="http://schemas.microsoft.com/office/drawing/2014/main" id="{A675F807-736D-4599-91B3-8648788D4BE2}"/>
+              </a:ext>
+            </a:extLst>
+          </p:cNvPr>
+          <p:cNvCxnSpPr/>
+          <p:nvPr/>
+        </p:nvCxnSpPr>
+        <p:spPr>
+          <a:xfrm flipV="1">
+            <a:off x="9115425" y="1638300"/>
+            <a:ext cx="1238250" cy="1219200"/>
+          </a:xfrm>
+          <a:prstGeom prst="straightConnector1">
+            <a:avLst/>
+          </a:prstGeom>
+          <a:ln w="53975">
+            <a:tailEnd type="triangle"/>
+          </a:ln>
+        </p:spPr>
+        <p:style>
+          <a:lnRef idx="1">
+            <a:schemeClr val="accent1"/>
+          </a:lnRef>
+          <a:fillRef idx="0">
+            <a:schemeClr val="accent1"/>
+          </a:fillRef>
+          <a:effectRef idx="0">
+            <a:schemeClr val="accent1"/>
+          </a:effectRef>
+          <a:fontRef idx="minor">
+            <a:schemeClr val="tx1"/>
+          </a:fontRef>
+        </p:style>
+      </p:cxnSp>
+      <p:sp>
+        <p:nvSpPr>
+          <p:cNvPr id="23" name="Oval 22">
+            <a:extLst>
+              <a:ext uri="{FF2B5EF4-FFF2-40B4-BE49-F238E27FC236}">
+                <a16:creationId xmlns:a16="http://schemas.microsoft.com/office/drawing/2014/main" id="{1735104C-CBB5-4D64-BE32-6DF189238840}"/>
+              </a:ext>
+            </a:extLst>
+          </p:cNvPr>
+          <p:cNvSpPr/>
+          <p:nvPr/>
+        </p:nvSpPr>
+        <p:spPr>
+          <a:xfrm>
+            <a:off x="5024761" y="5193437"/>
+            <a:ext cx="807868" cy="488272"/>
+          </a:xfrm>
+          <a:prstGeom prst="ellipse">
+            <a:avLst/>
+          </a:prstGeom>
+          <a:noFill/>
+          <a:ln w="53975"/>
+        </p:spPr>
+        <p:style>
+          <a:lnRef idx="2">
+            <a:schemeClr val="accent1">
+              <a:shade val="50000"/>
+            </a:schemeClr>
+          </a:lnRef>
+          <a:fillRef idx="1">
+            <a:schemeClr val="accent1"/>
+          </a:fillRef>
+          <a:effectRef idx="0">
+            <a:schemeClr val="accent1"/>
+          </a:effectRef>
+          <a:fontRef idx="minor">
+            <a:schemeClr val="lt1"/>
+          </a:fontRef>
+        </p:style>
+        <p:txBody>
+          <a:bodyPr rtlCol="0" anchor="ctr"/>
+          <a:lstStyle/>
+          <a:p>
+            <a:pPr algn="ctr"/>
+            <a:endParaRPr lang="en-US"/>
+          </a:p>
+        </p:txBody>
+      </p:sp>
+      <p:sp>
+        <p:nvSpPr>
+          <p:cNvPr id="24" name="Oval 23">
+            <a:extLst>
+              <a:ext uri="{FF2B5EF4-FFF2-40B4-BE49-F238E27FC236}">
+                <a16:creationId xmlns:a16="http://schemas.microsoft.com/office/drawing/2014/main" id="{B1B8F940-C9A8-4393-A8D8-1C7F5D82551C}"/>
+              </a:ext>
+            </a:extLst>
+          </p:cNvPr>
+          <p:cNvSpPr/>
+          <p:nvPr/>
+        </p:nvSpPr>
+        <p:spPr>
+          <a:xfrm>
+            <a:off x="8730541" y="2613364"/>
+            <a:ext cx="807868" cy="488272"/>
+          </a:xfrm>
+          <a:prstGeom prst="ellipse">
+            <a:avLst/>
+          </a:prstGeom>
+          <a:noFill/>
+          <a:ln w="53975"/>
+        </p:spPr>
+        <p:style>
+          <a:lnRef idx="2">
+            <a:schemeClr val="accent1">
+              <a:shade val="50000"/>
+            </a:schemeClr>
+          </a:lnRef>
+          <a:fillRef idx="1">
+            <a:schemeClr val="accent1"/>
+          </a:fillRef>
+          <a:effectRef idx="0">
+            <a:schemeClr val="accent1"/>
+          </a:effectRef>
+          <a:fontRef idx="minor">
+            <a:schemeClr val="lt1"/>
+          </a:fontRef>
+        </p:style>
+        <p:txBody>
+          <a:bodyPr rtlCol="0" anchor="ctr"/>
+          <a:lstStyle/>
+          <a:p>
+            <a:pPr algn="ctr"/>
+            <a:endParaRPr lang="en-US"/>
+          </a:p>
+        </p:txBody>
+      </p:sp>
+      <p:sp>
+        <p:nvSpPr>
+          <p:cNvPr id="25" name="TextBox 24">
+            <a:extLst>
+              <a:ext uri="{FF2B5EF4-FFF2-40B4-BE49-F238E27FC236}">
+                <a16:creationId xmlns:a16="http://schemas.microsoft.com/office/drawing/2014/main" id="{19282DDE-CAE3-4CAD-9117-A97B9C801D43}"/>
+              </a:ext>
+            </a:extLst>
+          </p:cNvPr>
+          <p:cNvSpPr txBox="1"/>
+          <p:nvPr/>
+        </p:nvSpPr>
+        <p:spPr>
+          <a:xfrm>
+            <a:off x="5228948" y="3595456"/>
+            <a:ext cx="1784411" cy="369332"/>
+          </a:xfrm>
+          <a:prstGeom prst="rect">
+            <a:avLst/>
+          </a:prstGeom>
+          <a:solidFill>
+            <a:schemeClr val="bg1"/>
+          </a:solidFill>
+          <a:ln w="57150">
+            <a:solidFill>
+              <a:schemeClr val="tx1"/>
+            </a:solidFill>
+          </a:ln>
+        </p:spPr>
+        <p:txBody>
+          <a:bodyPr wrap="square" rtlCol="0">
+            <a:spAutoFit/>
+          </a:bodyPr>
+          <a:lstStyle/>
+          <a:p>
+            <a:pPr algn="ctr"/>
+            <a:r>
+              <a:rPr lang="en-US" dirty="0"/>
+              <a:t>Refueling Stop</a:t>
+            </a:r>
+          </a:p>
+        </p:txBody>
+      </p:sp>
+      <p:sp>
+        <p:nvSpPr>
+          <p:cNvPr id="26" name="TextBox 25">
+            <a:extLst>
+              <a:ext uri="{FF2B5EF4-FFF2-40B4-BE49-F238E27FC236}">
+                <a16:creationId xmlns:a16="http://schemas.microsoft.com/office/drawing/2014/main" id="{6212DEA9-FA6F-4888-8568-BFCB4B387322}"/>
+              </a:ext>
+            </a:extLst>
+          </p:cNvPr>
+          <p:cNvSpPr txBox="1"/>
+          <p:nvPr/>
+        </p:nvSpPr>
+        <p:spPr>
+          <a:xfrm>
+            <a:off x="6428913" y="1708479"/>
+            <a:ext cx="1784411" cy="369332"/>
+          </a:xfrm>
+          <a:prstGeom prst="rect">
+            <a:avLst/>
+          </a:prstGeom>
+          <a:solidFill>
+            <a:schemeClr val="bg1"/>
+          </a:solidFill>
+          <a:ln w="57150">
+            <a:solidFill>
+              <a:schemeClr val="tx1"/>
+            </a:solidFill>
+          </a:ln>
+        </p:spPr>
+        <p:txBody>
+          <a:bodyPr wrap="square" rtlCol="0">
+            <a:spAutoFit/>
+          </a:bodyPr>
+          <a:lstStyle/>
+          <a:p>
+            <a:pPr algn="ctr"/>
+            <a:r>
+              <a:rPr lang="en-US" dirty="0"/>
+              <a:t>Destination</a:t>
+            </a:r>
+          </a:p>
+        </p:txBody>
+      </p:sp>
+      <p:cxnSp>
+        <p:nvCxnSpPr>
+          <p:cNvPr id="28" name="Straight Arrow Connector 27">
+            <a:extLst>
+              <a:ext uri="{FF2B5EF4-FFF2-40B4-BE49-F238E27FC236}">
+                <a16:creationId xmlns:a16="http://schemas.microsoft.com/office/drawing/2014/main" id="{709AFED7-B632-4DB9-8E6B-D2BB18390B08}"/>
+              </a:ext>
+            </a:extLst>
+          </p:cNvPr>
+          <p:cNvCxnSpPr/>
+          <p:nvPr/>
+        </p:nvCxnSpPr>
+        <p:spPr>
+          <a:xfrm flipH="1">
+            <a:off x="5557421" y="4042207"/>
+            <a:ext cx="150921" cy="1029137"/>
+          </a:xfrm>
+          <a:prstGeom prst="straightConnector1">
+            <a:avLst/>
+          </a:prstGeom>
+          <a:ln w="57150">
+            <a:solidFill>
+              <a:srgbClr val="C00000"/>
+            </a:solidFill>
+            <a:tailEnd type="triangle"/>
+          </a:ln>
+        </p:spPr>
+        <p:style>
+          <a:lnRef idx="1">
+            <a:schemeClr val="accent1"/>
+          </a:lnRef>
+          <a:fillRef idx="0">
+            <a:schemeClr val="accent1"/>
+          </a:fillRef>
+          <a:effectRef idx="0">
+            <a:schemeClr val="accent1"/>
+          </a:effectRef>
+          <a:fontRef idx="minor">
+            <a:schemeClr val="tx1"/>
+          </a:fontRef>
+        </p:style>
+      </p:cxnSp>
+      <p:cxnSp>
+        <p:nvCxnSpPr>
+          <p:cNvPr id="29" name="Straight Arrow Connector 28">
+            <a:extLst>
+              <a:ext uri="{FF2B5EF4-FFF2-40B4-BE49-F238E27FC236}">
+                <a16:creationId xmlns:a16="http://schemas.microsoft.com/office/drawing/2014/main" id="{2273A404-A586-47F4-AE83-A3C4CB320045}"/>
+              </a:ext>
+            </a:extLst>
+          </p:cNvPr>
+          <p:cNvCxnSpPr>
+            <a:cxnSpLocks/>
+          </p:cNvCxnSpPr>
+          <p:nvPr/>
+        </p:nvCxnSpPr>
+        <p:spPr>
+          <a:xfrm flipV="1">
+            <a:off x="7128676" y="2981228"/>
+            <a:ext cx="1535930" cy="793170"/>
+          </a:xfrm>
+          <a:prstGeom prst="straightConnector1">
+            <a:avLst/>
+          </a:prstGeom>
+          <a:ln w="57150">
+            <a:solidFill>
+              <a:srgbClr val="C00000"/>
+            </a:solidFill>
+            <a:tailEnd type="triangle"/>
+          </a:ln>
+        </p:spPr>
+        <p:style>
+          <a:lnRef idx="1">
+            <a:schemeClr val="accent1"/>
+          </a:lnRef>
+          <a:fillRef idx="0">
+            <a:schemeClr val="accent1"/>
+          </a:fillRef>
+          <a:effectRef idx="0">
+            <a:schemeClr val="accent1"/>
+          </a:effectRef>
+          <a:fontRef idx="minor">
+            <a:schemeClr val="tx1"/>
+          </a:fontRef>
+        </p:style>
+      </p:cxnSp>
+      <p:cxnSp>
+        <p:nvCxnSpPr>
+          <p:cNvPr id="30" name="Straight Arrow Connector 29">
+            <a:extLst>
+              <a:ext uri="{FF2B5EF4-FFF2-40B4-BE49-F238E27FC236}">
+                <a16:creationId xmlns:a16="http://schemas.microsoft.com/office/drawing/2014/main" id="{929FEFE4-57F1-4A66-9342-86E14107133F}"/>
+              </a:ext>
+            </a:extLst>
+          </p:cNvPr>
+          <p:cNvCxnSpPr>
+            <a:cxnSpLocks/>
+          </p:cNvCxnSpPr>
+          <p:nvPr/>
+        </p:nvCxnSpPr>
+        <p:spPr>
+          <a:xfrm flipV="1">
+            <a:off x="8317545" y="1683143"/>
+            <a:ext cx="1758610" cy="133760"/>
+          </a:xfrm>
+          <a:prstGeom prst="straightConnector1">
+            <a:avLst/>
+          </a:prstGeom>
+          <a:ln w="57150">
+            <a:solidFill>
+              <a:srgbClr val="C00000"/>
+            </a:solidFill>
+            <a:tailEnd type="triangle"/>
+          </a:ln>
+        </p:spPr>
+        <p:style>
+          <a:lnRef idx="1">
+            <a:schemeClr val="accent1"/>
+          </a:lnRef>
+          <a:fillRef idx="0">
+            <a:schemeClr val="accent1"/>
+          </a:fillRef>
+          <a:effectRef idx="0">
+            <a:schemeClr val="accent1"/>
+          </a:effectRef>
+          <a:fontRef idx="minor">
+            <a:schemeClr val="tx1"/>
+          </a:fontRef>
+        </p:style>
+      </p:cxnSp>
+    </p:spTree>
+    <p:extLst>
+      <p:ext uri="{BB962C8B-B14F-4D97-AF65-F5344CB8AC3E}">
+        <p14:creationId xmlns:p14="http://schemas.microsoft.com/office/powerpoint/2010/main" val="2015539583"/>
+      </p:ext>
+    </p:extLst>
+  </p:cSld>
+  <p:clrMapOvr>
+    <a:masterClrMapping/>
+  </p:clrMapOvr>
+</p:sld>
+</file>
+
+<file path=ppt/slides/slide22.xml><?xml version="1.0" encoding="utf-8"?>
 <p:sld xmlns:a="http://schemas.openxmlformats.org/drawingml/2006/main" xmlns:r="http://schemas.openxmlformats.org/officeDocument/2006/relationships" xmlns:p="http://schemas.openxmlformats.org/presentationml/2006/main">
   <p:cSld>
     <p:bg>
@@ -6257,7 +7209,7 @@
           <p:cNvPr id="2" name="Title 1">
             <a:extLst>
               <a:ext uri="{FF2B5EF4-FFF2-40B4-BE49-F238E27FC236}">
-                <a16:creationId xmlns:a16="http://schemas.microsoft.com/office/drawing/2014/main" id="{EF4568CE-90A0-402B-A57D-DB6F2D3067A6}"/>
+                <a16:creationId xmlns:a16="http://schemas.microsoft.com/office/drawing/2014/main" id="{15FE692C-2E9C-4589-A19D-B2C847058421}"/>
               </a:ext>
             </a:extLst>
           </p:cNvPr>
@@ -6268,20 +7220,14 @@
             <p:ph type="title"/>
           </p:nvPr>
         </p:nvSpPr>
-        <p:spPr>
-          <a:xfrm>
-            <a:off x="838200" y="311859"/>
-            <a:ext cx="10515600" cy="1325563"/>
-          </a:xfrm>
-        </p:spPr>
+        <p:spPr/>
         <p:txBody>
           <a:bodyPr/>
           <a:lstStyle/>
           <a:p>
-            <a:pPr algn="ctr"/>
             <a:r>
               <a:rPr lang="en-US" dirty="0"/>
-              <a:t>Items for Discussion</a:t>
+              <a:t>State of U.S. Environment and Impact</a:t>
             </a:r>
           </a:p>
         </p:txBody>
@@ -6291,7 +7237,7 @@
           <p:cNvPr id="3" name="Content Placeholder 2">
             <a:extLst>
               <a:ext uri="{FF2B5EF4-FFF2-40B4-BE49-F238E27FC236}">
-                <a16:creationId xmlns:a16="http://schemas.microsoft.com/office/drawing/2014/main" id="{54029398-5C38-4753-8654-6DF82B97D2A5}"/>
+                <a16:creationId xmlns:a16="http://schemas.microsoft.com/office/drawing/2014/main" id="{351536A4-98B4-4104-AA0B-18AEE3988D43}"/>
               </a:ext>
             </a:extLst>
           </p:cNvPr>
@@ -6304,63 +7250,136 @@
         </p:nvSpPr>
         <p:spPr>
           <a:xfrm>
-            <a:off x="838200" y="2166151"/>
-            <a:ext cx="10515600" cy="4010812"/>
-          </a:xfrm>
-        </p:spPr>
-        <p:txBody>
-          <a:bodyPr/>
+            <a:off x="838200" y="1825624"/>
+            <a:ext cx="10515600" cy="4537075"/>
+          </a:xfrm>
+        </p:spPr>
+        <p:txBody>
+          <a:bodyPr>
+            <a:normAutofit/>
+          </a:bodyPr>
           <a:lstStyle/>
           <a:p>
-            <a:pPr>
-              <a:spcBef>
-                <a:spcPts val="3600"/>
-              </a:spcBef>
+            <a:r>
+              <a:rPr lang="en-US" dirty="0"/>
+              <a:t>2020 – 2</a:t>
+            </a:r>
+            <a:r>
+              <a:rPr lang="en-US" baseline="30000" dirty="0"/>
+              <a:t>nd</a:t>
+            </a:r>
+            <a:r>
+              <a:rPr lang="en-US" dirty="0"/>
+              <a:t> warmest year on record – </a:t>
+            </a:r>
+            <a:r>
+              <a:rPr lang="en-US" b="1" i="1" dirty="0">
+                <a:solidFill>
+                  <a:srgbClr val="C00000"/>
+                </a:solidFill>
+              </a:rPr>
+              <a:t>NEGATIVE IMPACT</a:t>
+            </a:r>
+          </a:p>
+          <a:p>
+            <a:r>
+              <a:rPr lang="en-US" dirty="0"/>
+              <a:t>All States, especially the Northeast, have become warmer over the past century – </a:t>
+            </a:r>
+            <a:r>
+              <a:rPr lang="en-US" b="1" i="1" dirty="0">
+                <a:solidFill>
+                  <a:srgbClr val="C00000"/>
+                </a:solidFill>
+              </a:rPr>
+              <a:t>NEGATIVE IMPACT</a:t>
+            </a:r>
+          </a:p>
+          <a:p>
+            <a:r>
+              <a:rPr lang="en-US" dirty="0"/>
+              <a:t>Average rainfall is 5% higher at the beginning of the 21</a:t>
+            </a:r>
+            <a:r>
+              <a:rPr lang="en-US" baseline="30000" dirty="0"/>
+              <a:t>st</a:t>
+            </a:r>
+            <a:r>
+              <a:rPr lang="en-US" dirty="0"/>
+              <a:t> century than it was at the beginning of the 20</a:t>
+            </a:r>
+            <a:r>
+              <a:rPr lang="en-US" baseline="30000" dirty="0"/>
+              <a:t>th</a:t>
+            </a:r>
+            <a:r>
+              <a:rPr lang="en-US" dirty="0"/>
+              <a:t> century – </a:t>
+            </a:r>
+            <a:r>
+              <a:rPr lang="en-US" b="1" i="1" dirty="0">
+                <a:solidFill>
+                  <a:schemeClr val="tx2"/>
+                </a:solidFill>
+              </a:rPr>
+              <a:t>UNKNOWN IMPACT</a:t>
+            </a:r>
+          </a:p>
+          <a:p>
+            <a:r>
+              <a:rPr lang="en-US" dirty="0"/>
+              <a:t>States in the Northeast and along the Mississippi are getting more precipitation – </a:t>
+            </a:r>
+            <a:r>
+              <a:rPr lang="en-US" b="1" i="1" dirty="0">
+                <a:solidFill>
+                  <a:schemeClr val="tx2"/>
+                </a:solidFill>
+              </a:rPr>
+              <a:t>UNKNOWN IMPACT</a:t>
+            </a:r>
+          </a:p>
+          <a:p>
+            <a:r>
+              <a:rPr lang="en-US" dirty="0"/>
+              <a:t>In 1980, the average U.S. county have good air quality 59% of days.  In 2020, that rose to 88% of days – </a:t>
+            </a:r>
+            <a:r>
+              <a:rPr lang="en-US" b="1" i="1" dirty="0">
+                <a:solidFill>
+                  <a:schemeClr val="accent6">
+                    <a:lumMod val="75000"/>
+                  </a:schemeClr>
+                </a:solidFill>
+              </a:rPr>
+              <a:t>POSITIVE IMPACT</a:t>
+            </a:r>
+          </a:p>
+          <a:p>
+            <a:pPr marL="0" indent="0">
+              <a:buNone/>
             </a:pPr>
             <a:r>
-              <a:rPr lang="en-US" dirty="0"/>
-              <a:t>What is the current state of </a:t>
-            </a:r>
-            <a:r>
-              <a:rPr lang="en-US" b="1" i="1" u="sng" dirty="0"/>
-              <a:t>Clean</a:t>
-            </a:r>
-            <a:r>
-              <a:rPr lang="en-US" dirty="0"/>
-              <a:t> Electricity Generation?</a:t>
-            </a:r>
-          </a:p>
-          <a:p>
-            <a:pPr>
-              <a:spcBef>
-                <a:spcPts val="3600"/>
-              </a:spcBef>
-            </a:pPr>
-            <a:r>
-              <a:rPr lang="en-US" dirty="0"/>
-              <a:t>Can we make progress toward Green Energy and Reduced Emissions?</a:t>
-            </a:r>
-          </a:p>
-          <a:p>
-            <a:pPr>
-              <a:spcBef>
-                <a:spcPts val="3600"/>
-              </a:spcBef>
-            </a:pPr>
-            <a:r>
-              <a:rPr lang="en-US" dirty="0"/>
-              <a:t>Are Electric Vehicles (EV’s) a viable alternative to fossil-fuel, powered vehicles?</a:t>
-            </a:r>
+              <a:rPr lang="en-US" sz="1800" dirty="0"/>
+              <a:t>Source:  </a:t>
+            </a:r>
+            <a:r>
+              <a:rPr lang="en-US" sz="1200" dirty="0">
+                <a:hlinkClick r:id="rId2"/>
+              </a:rPr>
+              <a:t>Environment and Climate | 2021 State of the Earth Facts (usafacts.org)</a:t>
+            </a:r>
+            <a:endParaRPr lang="en-US" sz="1800" dirty="0"/>
           </a:p>
         </p:txBody>
       </p:sp>
       <p:pic>
         <p:nvPicPr>
           <p:cNvPr id="4" name="Picture 2" descr="Nashville Software School Small Logo">
-            <a:hlinkClick r:id="rId2"/>
-            <a:extLst>
-              <a:ext uri="{FF2B5EF4-FFF2-40B4-BE49-F238E27FC236}">
-                <a16:creationId xmlns:a16="http://schemas.microsoft.com/office/drawing/2014/main" id="{8E8760FC-3F16-4CD2-8C99-36E6535D96E2}"/>
+            <a:hlinkClick r:id="rId3"/>
+            <a:extLst>
+              <a:ext uri="{FF2B5EF4-FFF2-40B4-BE49-F238E27FC236}">
+                <a16:creationId xmlns:a16="http://schemas.microsoft.com/office/drawing/2014/main" id="{5A287302-C0C3-416C-87B3-C7EB0B42D688}"/>
               </a:ext>
             </a:extLst>
           </p:cNvPr>
@@ -6370,7 +7389,7 @@
           <p:nvPr/>
         </p:nvPicPr>
         <p:blipFill>
-          <a:blip r:embed="rId3">
+          <a:blip r:embed="rId4">
             <a:extLst>
               <a:ext uri="{28A0092B-C50C-407E-A947-70E740481C1C}">
                 <a14:useLocalDpi xmlns:a14="http://schemas.microsoft.com/office/drawing/2010/main" val="0"/>
@@ -6405,7 +7424,7 @@
     </p:spTree>
     <p:extLst>
       <p:ext uri="{BB962C8B-B14F-4D97-AF65-F5344CB8AC3E}">
-        <p14:creationId xmlns:p14="http://schemas.microsoft.com/office/powerpoint/2010/main" val="2968563738"/>
+        <p14:creationId xmlns:p14="http://schemas.microsoft.com/office/powerpoint/2010/main" val="93332687"/>
       </p:ext>
     </p:extLst>
   </p:cSld>
@@ -6440,13 +7459,115 @@
           <a:chExt cx="0" cy="0"/>
         </a:xfrm>
       </p:grpSpPr>
+      <p:sp>
+        <p:nvSpPr>
+          <p:cNvPr id="2" name="Title 1">
+            <a:extLst>
+              <a:ext uri="{FF2B5EF4-FFF2-40B4-BE49-F238E27FC236}">
+                <a16:creationId xmlns:a16="http://schemas.microsoft.com/office/drawing/2014/main" id="{EF4568CE-90A0-402B-A57D-DB6F2D3067A6}"/>
+              </a:ext>
+            </a:extLst>
+          </p:cNvPr>
+          <p:cNvSpPr>
+            <a:spLocks noGrp="1"/>
+          </p:cNvSpPr>
+          <p:nvPr>
+            <p:ph type="title"/>
+          </p:nvPr>
+        </p:nvSpPr>
+        <p:spPr>
+          <a:xfrm>
+            <a:off x="838200" y="311859"/>
+            <a:ext cx="10515600" cy="1325563"/>
+          </a:xfrm>
+        </p:spPr>
+        <p:txBody>
+          <a:bodyPr/>
+          <a:lstStyle/>
+          <a:p>
+            <a:pPr algn="ctr"/>
+            <a:r>
+              <a:rPr lang="en-US" dirty="0"/>
+              <a:t>Items for Discussion</a:t>
+            </a:r>
+          </a:p>
+        </p:txBody>
+      </p:sp>
+      <p:sp>
+        <p:nvSpPr>
+          <p:cNvPr id="3" name="Content Placeholder 2">
+            <a:extLst>
+              <a:ext uri="{FF2B5EF4-FFF2-40B4-BE49-F238E27FC236}">
+                <a16:creationId xmlns:a16="http://schemas.microsoft.com/office/drawing/2014/main" id="{54029398-5C38-4753-8654-6DF82B97D2A5}"/>
+              </a:ext>
+            </a:extLst>
+          </p:cNvPr>
+          <p:cNvSpPr>
+            <a:spLocks noGrp="1"/>
+          </p:cNvSpPr>
+          <p:nvPr>
+            <p:ph idx="1"/>
+          </p:nvPr>
+        </p:nvSpPr>
+        <p:spPr>
+          <a:xfrm>
+            <a:off x="838200" y="2166151"/>
+            <a:ext cx="10515600" cy="4010812"/>
+          </a:xfrm>
+        </p:spPr>
+        <p:txBody>
+          <a:bodyPr/>
+          <a:lstStyle/>
+          <a:p>
+            <a:pPr>
+              <a:spcBef>
+                <a:spcPts val="3600"/>
+              </a:spcBef>
+            </a:pPr>
+            <a:r>
+              <a:rPr lang="en-US" dirty="0"/>
+              <a:t>What is the current state of </a:t>
+            </a:r>
+            <a:r>
+              <a:rPr lang="en-US" b="1" i="1" u="sng" dirty="0"/>
+              <a:t>Clean</a:t>
+            </a:r>
+            <a:r>
+              <a:rPr lang="en-US" dirty="0"/>
+              <a:t> Electricity Generation?</a:t>
+            </a:r>
+          </a:p>
+          <a:p>
+            <a:pPr>
+              <a:spcBef>
+                <a:spcPts val="3600"/>
+              </a:spcBef>
+            </a:pPr>
+            <a:r>
+              <a:rPr lang="en-US" dirty="0"/>
+              <a:t>Can we make progress toward Green Energy and Reduced Emissions?</a:t>
+            </a:r>
+          </a:p>
+          <a:p>
+            <a:pPr>
+              <a:spcBef>
+                <a:spcPts val="3600"/>
+              </a:spcBef>
+            </a:pPr>
+            <a:r>
+              <a:rPr lang="en-US" dirty="0"/>
+              <a:t>Are Electric Vehicles (EV’s) a viable alternative to fossil-fuel, powered vehicles?</a:t>
+            </a:r>
+          </a:p>
+        </p:txBody>
+      </p:sp>
       <p:pic>
         <p:nvPicPr>
           <p:cNvPr id="4" name="Picture 2" descr="Nashville Software School Small Logo">
             <a:hlinkClick r:id="rId2"/>
             <a:extLst>
               <a:ext uri="{FF2B5EF4-FFF2-40B4-BE49-F238E27FC236}">
-                <a16:creationId xmlns:a16="http://schemas.microsoft.com/office/drawing/2014/main" id="{62364F0C-38AB-4A02-B5EE-D487FF5FC28E}"/>
+                <a16:creationId xmlns:a16="http://schemas.microsoft.com/office/drawing/2014/main" id="{8E8760FC-3F16-4CD2-8C99-36E6535D96E2}"/>
               </a:ext>
             </a:extLst>
           </p:cNvPr>
@@ -6488,124 +7609,10 @@
           </a:extLst>
         </p:spPr>
       </p:pic>
-      <p:sp>
-        <p:nvSpPr>
-          <p:cNvPr id="11" name="Title 1">
-            <a:extLst>
-              <a:ext uri="{FF2B5EF4-FFF2-40B4-BE49-F238E27FC236}">
-                <a16:creationId xmlns:a16="http://schemas.microsoft.com/office/drawing/2014/main" id="{BD6EA3AD-D97D-4440-8DA9-C89E3DD36ADA}"/>
-              </a:ext>
-            </a:extLst>
-          </p:cNvPr>
-          <p:cNvSpPr>
-            <a:spLocks noGrp="1"/>
-          </p:cNvSpPr>
-          <p:nvPr>
-            <p:ph type="title"/>
-          </p:nvPr>
-        </p:nvSpPr>
-        <p:spPr>
-          <a:xfrm>
-            <a:off x="838200" y="311859"/>
-            <a:ext cx="10515600" cy="1325563"/>
-          </a:xfrm>
-        </p:spPr>
-        <p:txBody>
-          <a:bodyPr/>
-          <a:lstStyle/>
-          <a:p>
-            <a:pPr algn="ctr"/>
-            <a:r>
-              <a:rPr lang="en-US" dirty="0"/>
-              <a:t>Items for Discussion</a:t>
-            </a:r>
-          </a:p>
-        </p:txBody>
-      </p:sp>
-      <p:sp>
-        <p:nvSpPr>
-          <p:cNvPr id="12" name="Content Placeholder 2">
-            <a:extLst>
-              <a:ext uri="{FF2B5EF4-FFF2-40B4-BE49-F238E27FC236}">
-                <a16:creationId xmlns:a16="http://schemas.microsoft.com/office/drawing/2014/main" id="{3D6A61A4-2B09-4EA8-82D1-E5AAEE7A035E}"/>
-              </a:ext>
-            </a:extLst>
-          </p:cNvPr>
-          <p:cNvSpPr>
-            <a:spLocks noGrp="1"/>
-          </p:cNvSpPr>
-          <p:nvPr>
-            <p:ph idx="1"/>
-          </p:nvPr>
-        </p:nvSpPr>
-        <p:spPr>
-          <a:xfrm>
-            <a:off x="838200" y="2166151"/>
-            <a:ext cx="10515600" cy="4010812"/>
-          </a:xfrm>
-        </p:spPr>
-        <p:txBody>
-          <a:bodyPr/>
-          <a:lstStyle/>
-          <a:p>
-            <a:pPr>
-              <a:spcBef>
-                <a:spcPts val="3600"/>
-              </a:spcBef>
-            </a:pPr>
-            <a:r>
-              <a:rPr lang="en-US" dirty="0"/>
-              <a:t>What is the current state of </a:t>
-            </a:r>
-            <a:r>
-              <a:rPr lang="en-US" b="1" i="1" u="sng" dirty="0"/>
-              <a:t>Clean</a:t>
-            </a:r>
-            <a:r>
-              <a:rPr lang="en-US" dirty="0"/>
-              <a:t> Electricity Generation?</a:t>
-            </a:r>
-          </a:p>
-          <a:p>
-            <a:pPr>
-              <a:spcBef>
-                <a:spcPts val="3600"/>
-              </a:spcBef>
-            </a:pPr>
-            <a:r>
-              <a:rPr lang="en-US" dirty="0">
-                <a:solidFill>
-                  <a:schemeClr val="bg2">
-                    <a:lumMod val="90000"/>
-                  </a:schemeClr>
-                </a:solidFill>
-              </a:rPr>
-              <a:t>Can we make progress toward Green Energy and Reduced Emissions?</a:t>
-            </a:r>
-          </a:p>
-          <a:p>
-            <a:pPr>
-              <a:spcBef>
-                <a:spcPts val="3600"/>
-              </a:spcBef>
-            </a:pPr>
-            <a:r>
-              <a:rPr lang="en-US" dirty="0">
-                <a:solidFill>
-                  <a:schemeClr val="bg2">
-                    <a:lumMod val="90000"/>
-                  </a:schemeClr>
-                </a:solidFill>
-              </a:rPr>
-              <a:t>Are Electric Vehicles (EV’s) a viable alternative to fossil-fuel, powered vehicles?</a:t>
-            </a:r>
-          </a:p>
-        </p:txBody>
-      </p:sp>
     </p:spTree>
     <p:extLst>
       <p:ext uri="{BB962C8B-B14F-4D97-AF65-F5344CB8AC3E}">
-        <p14:creationId xmlns:p14="http://schemas.microsoft.com/office/powerpoint/2010/main" val="1704659382"/>
+        <p14:creationId xmlns:p14="http://schemas.microsoft.com/office/powerpoint/2010/main" val="2968563738"/>
       </p:ext>
     </p:extLst>
   </p:cSld>
@@ -6640,46 +7647,13 @@
           <a:chExt cx="0" cy="0"/>
         </a:xfrm>
       </p:grpSpPr>
-      <p:sp>
-        <p:nvSpPr>
-          <p:cNvPr id="2" name="Title 1">
-            <a:extLst>
-              <a:ext uri="{FF2B5EF4-FFF2-40B4-BE49-F238E27FC236}">
-                <a16:creationId xmlns:a16="http://schemas.microsoft.com/office/drawing/2014/main" id="{934ADADA-ED0D-4F73-BB09-9336CB250043}"/>
-              </a:ext>
-            </a:extLst>
-          </p:cNvPr>
-          <p:cNvSpPr>
-            <a:spLocks noGrp="1"/>
-          </p:cNvSpPr>
-          <p:nvPr>
-            <p:ph type="title"/>
-          </p:nvPr>
-        </p:nvSpPr>
-        <p:spPr>
-          <a:xfrm>
-            <a:off x="834506" y="179387"/>
-            <a:ext cx="10515600" cy="1325563"/>
-          </a:xfrm>
-        </p:spPr>
-        <p:txBody>
-          <a:bodyPr/>
-          <a:lstStyle/>
-          <a:p>
-            <a:r>
-              <a:rPr lang="en-US" dirty="0"/>
-              <a:t>Generation by Renewable Methods</a:t>
-            </a:r>
-          </a:p>
-        </p:txBody>
-      </p:sp>
       <p:pic>
         <p:nvPicPr>
           <p:cNvPr id="4" name="Picture 2" descr="Nashville Software School Small Logo">
             <a:hlinkClick r:id="rId2"/>
             <a:extLst>
               <a:ext uri="{FF2B5EF4-FFF2-40B4-BE49-F238E27FC236}">
-                <a16:creationId xmlns:a16="http://schemas.microsoft.com/office/drawing/2014/main" id="{6C43B0DD-C987-4008-9869-EF7307662760}"/>
+                <a16:creationId xmlns:a16="http://schemas.microsoft.com/office/drawing/2014/main" id="{62364F0C-38AB-4A02-B5EE-D487FF5FC28E}"/>
               </a:ext>
             </a:extLst>
           </p:cNvPr>
@@ -6721,46 +7695,124 @@
           </a:extLst>
         </p:spPr>
       </p:pic>
-      <p:pic>
-        <p:nvPicPr>
-          <p:cNvPr id="6" name="Picture 5">
-            <a:extLst>
-              <a:ext uri="{FF2B5EF4-FFF2-40B4-BE49-F238E27FC236}">
-                <a16:creationId xmlns:a16="http://schemas.microsoft.com/office/drawing/2014/main" id="{73EDDE6A-80EE-4E94-A614-8EE3931B1873}"/>
-              </a:ext>
-            </a:extLst>
-          </p:cNvPr>
-          <p:cNvPicPr>
-            <a:picLocks noChangeAspect="1"/>
-          </p:cNvPicPr>
-          <p:nvPr/>
-        </p:nvPicPr>
-        <p:blipFill>
-          <a:blip r:embed="rId4">
-            <a:extLst>
-              <a:ext uri="{28A0092B-C50C-407E-A947-70E740481C1C}">
-                <a14:useLocalDpi xmlns:a14="http://schemas.microsoft.com/office/drawing/2010/main" val="0"/>
-              </a:ext>
-            </a:extLst>
-          </a:blip>
-          <a:stretch>
-            <a:fillRect/>
-          </a:stretch>
-        </p:blipFill>
+      <p:sp>
+        <p:nvSpPr>
+          <p:cNvPr id="11" name="Title 1">
+            <a:extLst>
+              <a:ext uri="{FF2B5EF4-FFF2-40B4-BE49-F238E27FC236}">
+                <a16:creationId xmlns:a16="http://schemas.microsoft.com/office/drawing/2014/main" id="{BD6EA3AD-D97D-4440-8DA9-C89E3DD36ADA}"/>
+              </a:ext>
+            </a:extLst>
+          </p:cNvPr>
+          <p:cNvSpPr>
+            <a:spLocks noGrp="1"/>
+          </p:cNvSpPr>
+          <p:nvPr>
+            <p:ph type="title"/>
+          </p:nvPr>
+        </p:nvSpPr>
         <p:spPr>
           <a:xfrm>
-            <a:off x="940721" y="1269507"/>
-            <a:ext cx="9952180" cy="4944862"/>
-          </a:xfrm>
-          <a:prstGeom prst="rect">
-            <a:avLst/>
-          </a:prstGeom>
-        </p:spPr>
-      </p:pic>
+            <a:off x="838200" y="311859"/>
+            <a:ext cx="10515600" cy="1325563"/>
+          </a:xfrm>
+        </p:spPr>
+        <p:txBody>
+          <a:bodyPr/>
+          <a:lstStyle/>
+          <a:p>
+            <a:pPr algn="ctr"/>
+            <a:r>
+              <a:rPr lang="en-US" dirty="0"/>
+              <a:t>Items for Discussion</a:t>
+            </a:r>
+          </a:p>
+        </p:txBody>
+      </p:sp>
+      <p:sp>
+        <p:nvSpPr>
+          <p:cNvPr id="12" name="Content Placeholder 2">
+            <a:extLst>
+              <a:ext uri="{FF2B5EF4-FFF2-40B4-BE49-F238E27FC236}">
+                <a16:creationId xmlns:a16="http://schemas.microsoft.com/office/drawing/2014/main" id="{3D6A61A4-2B09-4EA8-82D1-E5AAEE7A035E}"/>
+              </a:ext>
+            </a:extLst>
+          </p:cNvPr>
+          <p:cNvSpPr>
+            <a:spLocks noGrp="1"/>
+          </p:cNvSpPr>
+          <p:nvPr>
+            <p:ph idx="1"/>
+          </p:nvPr>
+        </p:nvSpPr>
+        <p:spPr>
+          <a:xfrm>
+            <a:off x="838200" y="2166151"/>
+            <a:ext cx="10515600" cy="4010812"/>
+          </a:xfrm>
+        </p:spPr>
+        <p:txBody>
+          <a:bodyPr/>
+          <a:lstStyle/>
+          <a:p>
+            <a:pPr>
+              <a:spcBef>
+                <a:spcPts val="3600"/>
+              </a:spcBef>
+            </a:pPr>
+            <a:r>
+              <a:rPr lang="en-US" dirty="0"/>
+              <a:t>What is the current state of </a:t>
+            </a:r>
+            <a:r>
+              <a:rPr lang="en-US" b="1" i="1" u="sng" dirty="0"/>
+              <a:t>Clean</a:t>
+            </a:r>
+            <a:r>
+              <a:rPr lang="en-US" dirty="0"/>
+              <a:t> Electricity Generation?</a:t>
+            </a:r>
+          </a:p>
+          <a:p>
+            <a:pPr>
+              <a:spcBef>
+                <a:spcPts val="3600"/>
+              </a:spcBef>
+            </a:pPr>
+            <a:r>
+              <a:rPr lang="en-US" dirty="0">
+                <a:solidFill>
+                  <a:schemeClr val="bg2">
+                    <a:lumMod val="90000"/>
+                  </a:schemeClr>
+                </a:solidFill>
+              </a:rPr>
+              <a:t>Can we make progress toward Green Energy and Reduced Emissions?</a:t>
+            </a:r>
+          </a:p>
+          <a:p>
+            <a:pPr>
+              <a:spcBef>
+                <a:spcPts val="3600"/>
+              </a:spcBef>
+            </a:pPr>
+            <a:r>
+              <a:rPr lang="en-US" dirty="0">
+                <a:solidFill>
+                  <a:schemeClr val="bg2">
+                    <a:lumMod val="90000"/>
+                  </a:schemeClr>
+                </a:solidFill>
+              </a:rPr>
+              <a:t>Are Electric Vehicles (EV’s) a viable alternative to fossil-fuel, powered vehicles?</a:t>
+            </a:r>
+          </a:p>
+        </p:txBody>
+      </p:sp>
     </p:spTree>
     <p:extLst>
       <p:ext uri="{BB962C8B-B14F-4D97-AF65-F5344CB8AC3E}">
-        <p14:creationId xmlns:p14="http://schemas.microsoft.com/office/powerpoint/2010/main" val="298971663"/>
+        <p14:creationId xmlns:p14="http://schemas.microsoft.com/office/powerpoint/2010/main" val="1704659382"/>
       </p:ext>
     </p:extLst>
   </p:cSld>
@@ -6800,7 +7852,7 @@
           <p:cNvPr id="2" name="Title 1">
             <a:extLst>
               <a:ext uri="{FF2B5EF4-FFF2-40B4-BE49-F238E27FC236}">
-                <a16:creationId xmlns:a16="http://schemas.microsoft.com/office/drawing/2014/main" id="{036E7328-46A5-4A59-BF36-9DE2101421D2}"/>
+                <a16:creationId xmlns:a16="http://schemas.microsoft.com/office/drawing/2014/main" id="{934ADADA-ED0D-4F73-BB09-9336CB250043}"/>
               </a:ext>
             </a:extLst>
           </p:cNvPr>
@@ -6813,8 +7865,8 @@
         </p:nvSpPr>
         <p:spPr>
           <a:xfrm>
-            <a:off x="852074" y="284085"/>
-            <a:ext cx="10515600" cy="1122517"/>
+            <a:off x="834506" y="179387"/>
+            <a:ext cx="10515600" cy="1325563"/>
           </a:xfrm>
         </p:spPr>
         <p:txBody>
@@ -6823,7 +7875,7 @@
           <a:p>
             <a:r>
               <a:rPr lang="en-US" dirty="0"/>
-              <a:t>Generation by Renewable Methods</a:t>
+              <a:t>Electricity Generation by Renewable Methods</a:t>
             </a:r>
           </a:p>
         </p:txBody>
@@ -6834,7 +7886,7 @@
             <a:hlinkClick r:id="rId2"/>
             <a:extLst>
               <a:ext uri="{FF2B5EF4-FFF2-40B4-BE49-F238E27FC236}">
-                <a16:creationId xmlns:a16="http://schemas.microsoft.com/office/drawing/2014/main" id="{B2DCF70C-589D-497B-8331-19653C408124}"/>
+                <a16:creationId xmlns:a16="http://schemas.microsoft.com/office/drawing/2014/main" id="{6C43B0DD-C987-4008-9869-EF7307662760}"/>
               </a:ext>
             </a:extLst>
           </p:cNvPr>
@@ -6881,7 +7933,7 @@
           <p:cNvPr id="6" name="Picture 5">
             <a:extLst>
               <a:ext uri="{FF2B5EF4-FFF2-40B4-BE49-F238E27FC236}">
-                <a16:creationId xmlns:a16="http://schemas.microsoft.com/office/drawing/2014/main" id="{B080EB7D-249F-4DAD-B4ED-FC34EE9F3B1E}"/>
+                <a16:creationId xmlns:a16="http://schemas.microsoft.com/office/drawing/2014/main" id="{73EDDE6A-80EE-4E94-A614-8EE3931B1873}"/>
               </a:ext>
             </a:extLst>
           </p:cNvPr>
@@ -6904,8 +7956,8 @@
         </p:blipFill>
         <p:spPr>
           <a:xfrm>
-            <a:off x="958788" y="1242874"/>
-            <a:ext cx="9880847" cy="5086905"/>
+            <a:off x="940721" y="1269507"/>
+            <a:ext cx="9952180" cy="4944862"/>
           </a:xfrm>
           <a:prstGeom prst="rect">
             <a:avLst/>
@@ -6915,7 +7967,7 @@
     </p:spTree>
     <p:extLst>
       <p:ext uri="{BB962C8B-B14F-4D97-AF65-F5344CB8AC3E}">
-        <p14:creationId xmlns:p14="http://schemas.microsoft.com/office/powerpoint/2010/main" val="2755137555"/>
+        <p14:creationId xmlns:p14="http://schemas.microsoft.com/office/powerpoint/2010/main" val="298971663"/>
       </p:ext>
     </p:extLst>
   </p:cSld>
@@ -6950,13 +8002,46 @@
           <a:chExt cx="0" cy="0"/>
         </a:xfrm>
       </p:grpSpPr>
+      <p:sp>
+        <p:nvSpPr>
+          <p:cNvPr id="2" name="Title 1">
+            <a:extLst>
+              <a:ext uri="{FF2B5EF4-FFF2-40B4-BE49-F238E27FC236}">
+                <a16:creationId xmlns:a16="http://schemas.microsoft.com/office/drawing/2014/main" id="{036E7328-46A5-4A59-BF36-9DE2101421D2}"/>
+              </a:ext>
+            </a:extLst>
+          </p:cNvPr>
+          <p:cNvSpPr>
+            <a:spLocks noGrp="1"/>
+          </p:cNvSpPr>
+          <p:nvPr>
+            <p:ph type="title"/>
+          </p:nvPr>
+        </p:nvSpPr>
+        <p:spPr>
+          <a:xfrm>
+            <a:off x="852074" y="284085"/>
+            <a:ext cx="10515600" cy="1122517"/>
+          </a:xfrm>
+        </p:spPr>
+        <p:txBody>
+          <a:bodyPr/>
+          <a:lstStyle/>
+          <a:p>
+            <a:r>
+              <a:rPr lang="en-US" dirty="0"/>
+              <a:t>Electricity Generation by Renewable Methods</a:t>
+            </a:r>
+          </a:p>
+        </p:txBody>
+      </p:sp>
       <p:pic>
         <p:nvPicPr>
           <p:cNvPr id="4" name="Picture 2" descr="Nashville Software School Small Logo">
             <a:hlinkClick r:id="rId2"/>
             <a:extLst>
               <a:ext uri="{FF2B5EF4-FFF2-40B4-BE49-F238E27FC236}">
-                <a16:creationId xmlns:a16="http://schemas.microsoft.com/office/drawing/2014/main" id="{55CAF77A-8757-40A6-A72A-5C6A9B294067}"/>
+                <a16:creationId xmlns:a16="http://schemas.microsoft.com/office/drawing/2014/main" id="{B2DCF70C-589D-497B-8331-19653C408124}"/>
               </a:ext>
             </a:extLst>
           </p:cNvPr>
@@ -7003,7 +8088,7 @@
           <p:cNvPr id="6" name="Picture 5">
             <a:extLst>
               <a:ext uri="{FF2B5EF4-FFF2-40B4-BE49-F238E27FC236}">
-                <a16:creationId xmlns:a16="http://schemas.microsoft.com/office/drawing/2014/main" id="{EDDA0A71-6B85-4832-B324-477628D58AFC}"/>
+                <a16:creationId xmlns:a16="http://schemas.microsoft.com/office/drawing/2014/main" id="{B080EB7D-249F-4DAD-B4ED-FC34EE9F3B1E}"/>
               </a:ext>
             </a:extLst>
           </p:cNvPr>
@@ -7026,55 +8111,18 @@
         </p:blipFill>
         <p:spPr>
           <a:xfrm>
-            <a:off x="932154" y="1376039"/>
-            <a:ext cx="10102790" cy="4882717"/>
+            <a:off x="958788" y="1242874"/>
+            <a:ext cx="9880847" cy="5086905"/>
           </a:xfrm>
           <a:prstGeom prst="rect">
             <a:avLst/>
           </a:prstGeom>
         </p:spPr>
       </p:pic>
-      <p:sp>
-        <p:nvSpPr>
-          <p:cNvPr id="7" name="Title 1">
-            <a:extLst>
-              <a:ext uri="{FF2B5EF4-FFF2-40B4-BE49-F238E27FC236}">
-                <a16:creationId xmlns:a16="http://schemas.microsoft.com/office/drawing/2014/main" id="{DDB5D097-DA67-433B-B961-3B8792F33FC8}"/>
-              </a:ext>
-            </a:extLst>
-          </p:cNvPr>
-          <p:cNvSpPr>
-            <a:spLocks noGrp="1"/>
-          </p:cNvSpPr>
-          <p:nvPr>
-            <p:ph type="title"/>
-          </p:nvPr>
-        </p:nvSpPr>
-        <p:spPr>
-          <a:xfrm>
-            <a:off x="838200" y="365125"/>
-            <a:ext cx="10515600" cy="1325563"/>
-          </a:xfrm>
-        </p:spPr>
-        <p:txBody>
-          <a:bodyPr/>
-          <a:lstStyle/>
-          <a:p>
-            <a:r>
-              <a:rPr lang="en-US" dirty="0" err="1"/>
-              <a:t>PowerBI</a:t>
-            </a:r>
-            <a:r>
-              <a:rPr lang="en-US" dirty="0"/>
-              <a:t> – U.S. Dashboard</a:t>
-            </a:r>
-          </a:p>
-        </p:txBody>
-      </p:sp>
     </p:spTree>
     <p:extLst>
       <p:ext uri="{BB962C8B-B14F-4D97-AF65-F5344CB8AC3E}">
-        <p14:creationId xmlns:p14="http://schemas.microsoft.com/office/powerpoint/2010/main" val="2275285759"/>
+        <p14:creationId xmlns:p14="http://schemas.microsoft.com/office/powerpoint/2010/main" val="2755137555"/>
       </p:ext>
     </p:extLst>
   </p:cSld>
@@ -7115,7 +8163,7 @@
             <a:hlinkClick r:id="rId2"/>
             <a:extLst>
               <a:ext uri="{FF2B5EF4-FFF2-40B4-BE49-F238E27FC236}">
-                <a16:creationId xmlns:a16="http://schemas.microsoft.com/office/drawing/2014/main" id="{8747A673-7910-4A6D-95E3-5D846BB98674}"/>
+                <a16:creationId xmlns:a16="http://schemas.microsoft.com/office/drawing/2014/main" id="{55CAF77A-8757-40A6-A72A-5C6A9B294067}"/>
               </a:ext>
             </a:extLst>
           </p:cNvPr>
@@ -7159,10 +8207,10 @@
       </p:pic>
       <p:sp>
         <p:nvSpPr>
-          <p:cNvPr id="5" name="Title 1">
-            <a:extLst>
-              <a:ext uri="{FF2B5EF4-FFF2-40B4-BE49-F238E27FC236}">
-                <a16:creationId xmlns:a16="http://schemas.microsoft.com/office/drawing/2014/main" id="{B6A930DF-58D1-4BDD-AA65-E97321166C31}"/>
+          <p:cNvPr id="7" name="Title 1">
+            <a:extLst>
+              <a:ext uri="{FF2B5EF4-FFF2-40B4-BE49-F238E27FC236}">
+                <a16:creationId xmlns:a16="http://schemas.microsoft.com/office/drawing/2014/main" id="{DDB5D097-DA67-433B-B961-3B8792F33FC8}"/>
               </a:ext>
             </a:extLst>
           </p:cNvPr>
@@ -7175,7 +8223,7 @@
         </p:nvSpPr>
         <p:spPr>
           <a:xfrm>
-            <a:off x="838200" y="311859"/>
+            <a:off x="838200" y="365125"/>
             <a:ext cx="10515600" cy="1325563"/>
           </a:xfrm>
         </p:spPr>
@@ -7183,110 +8231,53 @@
           <a:bodyPr/>
           <a:lstStyle/>
           <a:p>
-            <a:pPr algn="ctr"/>
             <a:r>
               <a:rPr lang="en-US" dirty="0"/>
-              <a:t>Items for Discussion</a:t>
-            </a:r>
-          </a:p>
-        </p:txBody>
-      </p:sp>
-      <p:sp>
-        <p:nvSpPr>
-          <p:cNvPr id="6" name="Content Placeholder 2">
-            <a:extLst>
-              <a:ext uri="{FF2B5EF4-FFF2-40B4-BE49-F238E27FC236}">
-                <a16:creationId xmlns:a16="http://schemas.microsoft.com/office/drawing/2014/main" id="{A42DFFB5-E4F3-4ADB-8BE8-CD2948092082}"/>
-              </a:ext>
-            </a:extLst>
-          </p:cNvPr>
-          <p:cNvSpPr>
-            <a:spLocks noGrp="1"/>
-          </p:cNvSpPr>
-          <p:nvPr>
-            <p:ph idx="1"/>
-          </p:nvPr>
-        </p:nvSpPr>
+              <a:t>Power BI – U.S. Dashboard</a:t>
+            </a:r>
+          </a:p>
+        </p:txBody>
+      </p:sp>
+      <p:pic>
+        <p:nvPicPr>
+          <p:cNvPr id="12" name="Picture 11">
+            <a:extLst>
+              <a:ext uri="{FF2B5EF4-FFF2-40B4-BE49-F238E27FC236}">
+                <a16:creationId xmlns:a16="http://schemas.microsoft.com/office/drawing/2014/main" id="{38BDACDE-8EFA-4F13-91DC-359A67364D0A}"/>
+              </a:ext>
+            </a:extLst>
+          </p:cNvPr>
+          <p:cNvPicPr>
+            <a:picLocks noChangeAspect="1"/>
+          </p:cNvPicPr>
+          <p:nvPr/>
+        </p:nvPicPr>
+        <p:blipFill>
+          <a:blip r:embed="rId4">
+            <a:extLst>
+              <a:ext uri="{28A0092B-C50C-407E-A947-70E740481C1C}">
+                <a14:useLocalDpi xmlns:a14="http://schemas.microsoft.com/office/drawing/2010/main" val="0"/>
+              </a:ext>
+            </a:extLst>
+          </a:blip>
+          <a:stretch>
+            <a:fillRect/>
+          </a:stretch>
+        </p:blipFill>
         <p:spPr>
           <a:xfrm>
-            <a:off x="838200" y="2166151"/>
-            <a:ext cx="10515600" cy="4010812"/>
-          </a:xfrm>
-        </p:spPr>
-        <p:txBody>
-          <a:bodyPr/>
-          <a:lstStyle/>
-          <a:p>
-            <a:pPr>
-              <a:spcBef>
-                <a:spcPts val="3600"/>
-              </a:spcBef>
-            </a:pPr>
-            <a:r>
-              <a:rPr lang="en-US" dirty="0">
-                <a:solidFill>
-                  <a:schemeClr val="bg2">
-                    <a:lumMod val="90000"/>
-                  </a:schemeClr>
-                </a:solidFill>
-              </a:rPr>
-              <a:t>What is the current state of </a:t>
-            </a:r>
-            <a:r>
-              <a:rPr lang="en-US" b="1" i="1" u="sng" dirty="0">
-                <a:solidFill>
-                  <a:schemeClr val="bg2">
-                    <a:lumMod val="90000"/>
-                  </a:schemeClr>
-                </a:solidFill>
-              </a:rPr>
-              <a:t>Clean</a:t>
-            </a:r>
-            <a:r>
-              <a:rPr lang="en-US" dirty="0">
-                <a:solidFill>
-                  <a:schemeClr val="bg2">
-                    <a:lumMod val="90000"/>
-                  </a:schemeClr>
-                </a:solidFill>
-              </a:rPr>
-              <a:t> Electricity Generation?</a:t>
-            </a:r>
-          </a:p>
-          <a:p>
-            <a:pPr>
-              <a:spcBef>
-                <a:spcPts val="3600"/>
-              </a:spcBef>
-            </a:pPr>
-            <a:r>
-              <a:rPr lang="en-US" dirty="0"/>
-              <a:t>Can we make progress toward Green Energy and Reduced Emissions?</a:t>
-            </a:r>
-          </a:p>
-          <a:p>
-            <a:pPr>
-              <a:spcBef>
-                <a:spcPts val="3600"/>
-              </a:spcBef>
-            </a:pPr>
-            <a:r>
-              <a:rPr lang="en-US" dirty="0">
-                <a:solidFill>
-                  <a:schemeClr val="bg2">
-                    <a:lumMod val="90000"/>
-                  </a:schemeClr>
-                </a:solidFill>
-              </a:rPr>
-              <a:t>Are Electric Vehicles (EV’s) a viable alternative to fossil-fuel, powered vehicles?</a:t>
-            </a:r>
-          </a:p>
-        </p:txBody>
-      </p:sp>
+            <a:off x="838199" y="1358283"/>
+            <a:ext cx="10321031" cy="4707465"/>
+          </a:xfrm>
+          <a:prstGeom prst="rect">
+            <a:avLst/>
+          </a:prstGeom>
+        </p:spPr>
+      </p:pic>
     </p:spTree>
     <p:extLst>
       <p:ext uri="{BB962C8B-B14F-4D97-AF65-F5344CB8AC3E}">
-        <p14:creationId xmlns:p14="http://schemas.microsoft.com/office/powerpoint/2010/main" val="1033923287"/>
+        <p14:creationId xmlns:p14="http://schemas.microsoft.com/office/powerpoint/2010/main" val="2275285759"/>
       </p:ext>
     </p:extLst>
   </p:cSld>
@@ -7327,7 +8318,7 @@
             <a:hlinkClick r:id="rId2"/>
             <a:extLst>
               <a:ext uri="{FF2B5EF4-FFF2-40B4-BE49-F238E27FC236}">
-                <a16:creationId xmlns:a16="http://schemas.microsoft.com/office/drawing/2014/main" id="{9F50B85F-DA06-41F5-85A7-BAF98DD6ED6B}"/>
+                <a16:creationId xmlns:a16="http://schemas.microsoft.com/office/drawing/2014/main" id="{8747A673-7910-4A6D-95E3-5D846BB98674}"/>
               </a:ext>
             </a:extLst>
           </p:cNvPr>
@@ -7369,55 +8360,25 @@
           </a:extLst>
         </p:spPr>
       </p:pic>
-      <p:pic>
-        <p:nvPicPr>
-          <p:cNvPr id="5" name="Picture 4">
-            <a:extLst>
-              <a:ext uri="{FF2B5EF4-FFF2-40B4-BE49-F238E27FC236}">
-                <a16:creationId xmlns:a16="http://schemas.microsoft.com/office/drawing/2014/main" id="{428A7365-D247-491A-9E05-BA3F2EAD8807}"/>
-              </a:ext>
-            </a:extLst>
-          </p:cNvPr>
-          <p:cNvPicPr>
-            <a:picLocks noChangeAspect="1"/>
-          </p:cNvPicPr>
-          <p:nvPr/>
-        </p:nvPicPr>
-        <p:blipFill>
-          <a:blip r:embed="rId4"/>
-          <a:stretch>
-            <a:fillRect/>
-          </a:stretch>
-        </p:blipFill>
+      <p:sp>
+        <p:nvSpPr>
+          <p:cNvPr id="5" name="Title 1">
+            <a:extLst>
+              <a:ext uri="{FF2B5EF4-FFF2-40B4-BE49-F238E27FC236}">
+                <a16:creationId xmlns:a16="http://schemas.microsoft.com/office/drawing/2014/main" id="{B6A930DF-58D1-4BDD-AA65-E97321166C31}"/>
+              </a:ext>
+            </a:extLst>
+          </p:cNvPr>
+          <p:cNvSpPr>
+            <a:spLocks noGrp="1"/>
+          </p:cNvSpPr>
+          <p:nvPr>
+            <p:ph type="title"/>
+          </p:nvPr>
+        </p:nvSpPr>
         <p:spPr>
           <a:xfrm>
-            <a:off x="941033" y="1358537"/>
-            <a:ext cx="10164932" cy="4976812"/>
-          </a:xfrm>
-          <a:prstGeom prst="rect">
-            <a:avLst/>
-          </a:prstGeom>
-        </p:spPr>
-      </p:pic>
-      <p:sp>
-        <p:nvSpPr>
-          <p:cNvPr id="9" name="Title 1">
-            <a:extLst>
-              <a:ext uri="{FF2B5EF4-FFF2-40B4-BE49-F238E27FC236}">
-                <a16:creationId xmlns:a16="http://schemas.microsoft.com/office/drawing/2014/main" id="{DE8BCB54-F6F2-4186-9848-621AECC1A703}"/>
-              </a:ext>
-            </a:extLst>
-          </p:cNvPr>
-          <p:cNvSpPr>
-            <a:spLocks noGrp="1"/>
-          </p:cNvSpPr>
-          <p:nvPr>
-            <p:ph type="title"/>
-          </p:nvPr>
-        </p:nvSpPr>
-        <p:spPr>
-          <a:xfrm>
-            <a:off x="838200" y="365125"/>
+            <a:off x="838200" y="311859"/>
             <a:ext cx="10515600" cy="1325563"/>
           </a:xfrm>
         </p:spPr>
@@ -7425,13 +8386,102 @@
           <a:bodyPr/>
           <a:lstStyle/>
           <a:p>
-            <a:r>
-              <a:rPr lang="en-US" dirty="0" err="1"/>
-              <a:t>PowerBI</a:t>
-            </a:r>
+            <a:pPr algn="ctr"/>
             <a:r>
               <a:rPr lang="en-US" dirty="0"/>
-              <a:t> – Arizona Dashboard</a:t>
+              <a:t>Items for Discussion</a:t>
+            </a:r>
+          </a:p>
+        </p:txBody>
+      </p:sp>
+      <p:sp>
+        <p:nvSpPr>
+          <p:cNvPr id="6" name="Content Placeholder 2">
+            <a:extLst>
+              <a:ext uri="{FF2B5EF4-FFF2-40B4-BE49-F238E27FC236}">
+                <a16:creationId xmlns:a16="http://schemas.microsoft.com/office/drawing/2014/main" id="{A42DFFB5-E4F3-4ADB-8BE8-CD2948092082}"/>
+              </a:ext>
+            </a:extLst>
+          </p:cNvPr>
+          <p:cNvSpPr>
+            <a:spLocks noGrp="1"/>
+          </p:cNvSpPr>
+          <p:nvPr>
+            <p:ph idx="1"/>
+          </p:nvPr>
+        </p:nvSpPr>
+        <p:spPr>
+          <a:xfrm>
+            <a:off x="838200" y="2166151"/>
+            <a:ext cx="10515600" cy="4010812"/>
+          </a:xfrm>
+        </p:spPr>
+        <p:txBody>
+          <a:bodyPr/>
+          <a:lstStyle/>
+          <a:p>
+            <a:pPr>
+              <a:spcBef>
+                <a:spcPts val="3600"/>
+              </a:spcBef>
+            </a:pPr>
+            <a:r>
+              <a:rPr lang="en-US" dirty="0">
+                <a:solidFill>
+                  <a:schemeClr val="bg2">
+                    <a:lumMod val="90000"/>
+                  </a:schemeClr>
+                </a:solidFill>
+              </a:rPr>
+              <a:t>What is the current state of </a:t>
+            </a:r>
+            <a:r>
+              <a:rPr lang="en-US" b="1" i="1" u="sng" dirty="0">
+                <a:solidFill>
+                  <a:schemeClr val="bg2">
+                    <a:lumMod val="90000"/>
+                  </a:schemeClr>
+                </a:solidFill>
+              </a:rPr>
+              <a:t>Clean</a:t>
+            </a:r>
+            <a:r>
+              <a:rPr lang="en-US" dirty="0">
+                <a:solidFill>
+                  <a:schemeClr val="bg2">
+                    <a:lumMod val="90000"/>
+                  </a:schemeClr>
+                </a:solidFill>
+              </a:rPr>
+              <a:t> Electricity Generation?</a:t>
+            </a:r>
+          </a:p>
+          <a:p>
+            <a:pPr>
+              <a:spcBef>
+                <a:spcPts val="3600"/>
+              </a:spcBef>
+            </a:pPr>
+            <a:r>
+              <a:rPr lang="en-US" dirty="0"/>
+              <a:t>Can we make progress toward Green Energy and Reduced Emissions?</a:t>
+            </a:r>
+          </a:p>
+          <a:p>
+            <a:pPr>
+              <a:spcBef>
+                <a:spcPts val="3600"/>
+              </a:spcBef>
+            </a:pPr>
+            <a:r>
+              <a:rPr lang="en-US" dirty="0">
+                <a:solidFill>
+                  <a:schemeClr val="bg2">
+                    <a:lumMod val="90000"/>
+                  </a:schemeClr>
+                </a:solidFill>
+              </a:rPr>
+              <a:t>Are Electric Vehicles (EV’s) a viable alternative to fossil-fuel, powered vehicles?</a:t>
             </a:r>
           </a:p>
         </p:txBody>
@@ -7439,7 +8489,7 @@
     </p:spTree>
     <p:extLst>
       <p:ext uri="{BB962C8B-B14F-4D97-AF65-F5344CB8AC3E}">
-        <p14:creationId xmlns:p14="http://schemas.microsoft.com/office/powerpoint/2010/main" val="168196976"/>
+        <p14:creationId xmlns:p14="http://schemas.microsoft.com/office/powerpoint/2010/main" val="1033923287"/>
       </p:ext>
     </p:extLst>
   </p:cSld>
